--- a/ハッカソンプレゼン用.pptx
+++ b/ハッカソンプレゼン用.pptx
@@ -767,10 +767,32 @@
           <a:bodyPr/>
           <a:lstStyle/>
           <a:p>
-            <a:endParaRPr kumimoji="1" lang="ja-JP" altLang="en-US" dirty="0">
+            <a:r>
+              <a:rPr kumimoji="1" lang="ja-JP" altLang="en-US" dirty="0">
+                <a:latin typeface="Meiryo UI" panose="020B0604030504040204" pitchFamily="50" charset="-128"/>
+                <a:ea typeface="Meiryo UI" panose="020B0604030504040204" pitchFamily="50" charset="-128"/>
+              </a:rPr>
+              <a:t>私達、チーム村おこしの発表を行います。</a:t>
+            </a:r>
+            <a:endParaRPr kumimoji="1" lang="en-US" altLang="ja-JP" dirty="0">
               <a:latin typeface="Meiryo UI" panose="020B0604030504040204" pitchFamily="50" charset="-128"/>
               <a:ea typeface="Meiryo UI" panose="020B0604030504040204" pitchFamily="50" charset="-128"/>
             </a:endParaRPr>
+          </a:p>
+          <a:p>
+            <a:endParaRPr kumimoji="1" lang="en-US" altLang="ja-JP" dirty="0">
+              <a:latin typeface="Meiryo UI" panose="020B0604030504040204" pitchFamily="50" charset="-128"/>
+              <a:ea typeface="Meiryo UI" panose="020B0604030504040204" pitchFamily="50" charset="-128"/>
+            </a:endParaRPr>
+          </a:p>
+          <a:p>
+            <a:r>
+              <a:rPr kumimoji="1" lang="ja-JP" altLang="en-US" dirty="0">
+                <a:latin typeface="Meiryo UI" panose="020B0604030504040204" pitchFamily="50" charset="-128"/>
+                <a:ea typeface="Meiryo UI" panose="020B0604030504040204" pitchFamily="50" charset="-128"/>
+              </a:rPr>
+              <a:t>コンセプトはゲームで運転を楽しくしようです。</a:t>
+            </a:r>
           </a:p>
         </p:txBody>
       </p:sp>
@@ -882,168 +904,9 @@
                 <a:ea typeface="Meiryo UI" panose="020B0604030504040204" pitchFamily="50" charset="-128"/>
                 <a:cs typeface="+mn-cs"/>
               </a:rPr>
-              <a:t>スマホゲーム人口は約</a:t>
-            </a:r>
-            <a:r>
-              <a:rPr lang="en-US" altLang="ja-JP" sz="1200" b="0" i="0" kern="1200" dirty="0">
-                <a:solidFill>
-                  <a:schemeClr val="tx1"/>
-                </a:solidFill>
-                <a:effectLst/>
-                <a:latin typeface="Meiryo UI" panose="020B0604030504040204" pitchFamily="50" charset="-128"/>
-                <a:ea typeface="Meiryo UI" panose="020B0604030504040204" pitchFamily="50" charset="-128"/>
-                <a:cs typeface="+mn-cs"/>
-              </a:rPr>
-              <a:t>2581</a:t>
-            </a:r>
-            <a:r>
-              <a:rPr lang="ja-JP" altLang="en-US" sz="1200" b="0" i="0" kern="1200" dirty="0">
-                <a:solidFill>
-                  <a:schemeClr val="tx1"/>
-                </a:solidFill>
-                <a:effectLst/>
-                <a:latin typeface="Meiryo UI" panose="020B0604030504040204" pitchFamily="50" charset="-128"/>
-                <a:ea typeface="Meiryo UI" panose="020B0604030504040204" pitchFamily="50" charset="-128"/>
-                <a:cs typeface="+mn-cs"/>
-              </a:rPr>
-              <a:t>万人（国内）</a:t>
-            </a:r>
-            <a:r>
-              <a:rPr lang="en-US" altLang="ja-JP" sz="1200" b="0" i="0" kern="1200" dirty="0">
-                <a:solidFill>
-                  <a:schemeClr val="tx1"/>
-                </a:solidFill>
-                <a:effectLst/>
-                <a:latin typeface="Meiryo UI" panose="020B0604030504040204" pitchFamily="50" charset="-128"/>
-                <a:ea typeface="Meiryo UI" panose="020B0604030504040204" pitchFamily="50" charset="-128"/>
-                <a:cs typeface="+mn-cs"/>
-              </a:rPr>
-              <a:t>【2016</a:t>
-            </a:r>
-            <a:r>
-              <a:rPr lang="ja-JP" altLang="en-US" sz="1200" b="0" i="0" kern="1200" dirty="0">
-                <a:solidFill>
-                  <a:schemeClr val="tx1"/>
-                </a:solidFill>
-                <a:effectLst/>
-                <a:latin typeface="Meiryo UI" panose="020B0604030504040204" pitchFamily="50" charset="-128"/>
-                <a:ea typeface="Meiryo UI" panose="020B0604030504040204" pitchFamily="50" charset="-128"/>
-                <a:cs typeface="+mn-cs"/>
-              </a:rPr>
-              <a:t>年</a:t>
-            </a:r>
-            <a:r>
-              <a:rPr lang="en-US" altLang="ja-JP" sz="1200" b="0" i="0" kern="1200" dirty="0">
-                <a:solidFill>
-                  <a:schemeClr val="tx1"/>
-                </a:solidFill>
-                <a:effectLst/>
-                <a:latin typeface="Meiryo UI" panose="020B0604030504040204" pitchFamily="50" charset="-128"/>
-                <a:ea typeface="Meiryo UI" panose="020B0604030504040204" pitchFamily="50" charset="-128"/>
-                <a:cs typeface="+mn-cs"/>
-              </a:rPr>
-              <a:t>6</a:t>
-            </a:r>
-            <a:r>
-              <a:rPr lang="ja-JP" altLang="en-US" sz="1200" b="0" i="0" kern="1200" dirty="0">
-                <a:solidFill>
-                  <a:schemeClr val="tx1"/>
-                </a:solidFill>
-                <a:effectLst/>
-                <a:latin typeface="Meiryo UI" panose="020B0604030504040204" pitchFamily="50" charset="-128"/>
-                <a:ea typeface="Meiryo UI" panose="020B0604030504040204" pitchFamily="50" charset="-128"/>
-                <a:cs typeface="+mn-cs"/>
-              </a:rPr>
-              <a:t>月最新</a:t>
-            </a:r>
-            <a:r>
-              <a:rPr lang="en-US" altLang="ja-JP" sz="1200" b="0" i="0" kern="1200" dirty="0">
-                <a:solidFill>
-                  <a:schemeClr val="tx1"/>
-                </a:solidFill>
-                <a:effectLst/>
-                <a:latin typeface="Meiryo UI" panose="020B0604030504040204" pitchFamily="50" charset="-128"/>
-                <a:ea typeface="Meiryo UI" panose="020B0604030504040204" pitchFamily="50" charset="-128"/>
-                <a:cs typeface="+mn-cs"/>
-              </a:rPr>
-              <a:t>】</a:t>
-            </a:r>
-          </a:p>
-          <a:p>
-            <a:pPr fontAlgn="base"/>
-            <a:r>
-              <a:rPr lang="en-US" altLang="ja-JP" sz="1200" b="1" i="0" kern="1200" dirty="0">
-                <a:solidFill>
-                  <a:schemeClr val="tx1"/>
-                </a:solidFill>
-                <a:effectLst/>
-                <a:latin typeface="Meiryo UI" panose="020B0604030504040204" pitchFamily="50" charset="-128"/>
-                <a:ea typeface="Meiryo UI" panose="020B0604030504040204" pitchFamily="50" charset="-128"/>
-                <a:cs typeface="+mn-cs"/>
-              </a:rPr>
-              <a:t>15</a:t>
-            </a:r>
-            <a:r>
-              <a:rPr lang="ja-JP" altLang="en-US" sz="1200" b="1" i="0" kern="1200" dirty="0">
-                <a:solidFill>
-                  <a:schemeClr val="tx1"/>
-                </a:solidFill>
-                <a:effectLst/>
-                <a:latin typeface="Meiryo UI" panose="020B0604030504040204" pitchFamily="50" charset="-128"/>
-                <a:ea typeface="Meiryo UI" panose="020B0604030504040204" pitchFamily="50" charset="-128"/>
-                <a:cs typeface="+mn-cs"/>
-              </a:rPr>
-              <a:t>～</a:t>
-            </a:r>
-            <a:r>
-              <a:rPr lang="en-US" altLang="ja-JP" sz="1200" b="1" i="0" kern="1200" dirty="0">
-                <a:solidFill>
-                  <a:schemeClr val="tx1"/>
-                </a:solidFill>
-                <a:effectLst/>
-                <a:latin typeface="Meiryo UI" panose="020B0604030504040204" pitchFamily="50" charset="-128"/>
-                <a:ea typeface="Meiryo UI" panose="020B0604030504040204" pitchFamily="50" charset="-128"/>
-                <a:cs typeface="+mn-cs"/>
-              </a:rPr>
-              <a:t>69</a:t>
-            </a:r>
-            <a:r>
-              <a:rPr lang="ja-JP" altLang="en-US" sz="1200" b="1" i="0" kern="1200" dirty="0">
-                <a:solidFill>
-                  <a:schemeClr val="tx1"/>
-                </a:solidFill>
-                <a:effectLst/>
-                <a:latin typeface="Meiryo UI" panose="020B0604030504040204" pitchFamily="50" charset="-128"/>
-                <a:ea typeface="Meiryo UI" panose="020B0604030504040204" pitchFamily="50" charset="-128"/>
-                <a:cs typeface="+mn-cs"/>
-              </a:rPr>
-              <a:t>歳におけるスマホゲーム人口は推定約</a:t>
-            </a:r>
-            <a:r>
-              <a:rPr lang="en-US" altLang="ja-JP" sz="1200" b="1" i="0" kern="1200" dirty="0">
-                <a:solidFill>
-                  <a:schemeClr val="tx1"/>
-                </a:solidFill>
-                <a:effectLst/>
-                <a:latin typeface="Meiryo UI" panose="020B0604030504040204" pitchFamily="50" charset="-128"/>
-                <a:ea typeface="Meiryo UI" panose="020B0604030504040204" pitchFamily="50" charset="-128"/>
-                <a:cs typeface="+mn-cs"/>
-              </a:rPr>
-              <a:t>2581</a:t>
-            </a:r>
-            <a:r>
-              <a:rPr lang="ja-JP" altLang="en-US" sz="1200" b="1" i="0" kern="1200" dirty="0">
-                <a:solidFill>
-                  <a:schemeClr val="tx1"/>
-                </a:solidFill>
-                <a:effectLst/>
-                <a:latin typeface="Meiryo UI" panose="020B0604030504040204" pitchFamily="50" charset="-128"/>
-                <a:ea typeface="Meiryo UI" panose="020B0604030504040204" pitchFamily="50" charset="-128"/>
-                <a:cs typeface="+mn-cs"/>
-              </a:rPr>
-              <a:t>万人。</a:t>
-            </a:r>
-            <a:endParaRPr lang="ja-JP" altLang="en-US" sz="1200" b="0" i="0" kern="1200" dirty="0">
+              <a:t>ところで皆さん、スマートフォンはお持ちですか？</a:t>
+            </a:r>
+            <a:endParaRPr lang="en-US" altLang="ja-JP" sz="1200" b="0" i="0" kern="1200" dirty="0">
               <a:solidFill>
                 <a:schemeClr val="tx1"/>
               </a:solidFill>
@@ -1054,7 +917,35 @@
             </a:endParaRPr>
           </a:p>
           <a:p>
-            <a:pPr fontAlgn="base"/>
+            <a:pPr marL="0" marR="0" lvl="0" indent="0" algn="l" defTabSz="914400" rtl="0" eaLnBrk="1" fontAlgn="auto" latinLnBrk="0" hangingPunct="1">
+              <a:lnSpc>
+                <a:spcPct val="100000"/>
+              </a:lnSpc>
+              <a:spcBef>
+                <a:spcPts val="0"/>
+              </a:spcBef>
+              <a:spcAft>
+                <a:spcPts val="0"/>
+              </a:spcAft>
+              <a:buClrTx/>
+              <a:buSzTx/>
+              <a:buFontTx/>
+              <a:buNone/>
+              <a:tabLst/>
+              <a:defRPr/>
+            </a:pPr>
+            <a:r>
+              <a:rPr lang="ja-JP" altLang="en-US" sz="1200" b="0" i="0" kern="1200" dirty="0">
+                <a:solidFill>
+                  <a:schemeClr val="tx1"/>
+                </a:solidFill>
+                <a:effectLst/>
+                <a:latin typeface="Meiryo UI" panose="020B0604030504040204" pitchFamily="50" charset="-128"/>
+                <a:ea typeface="Meiryo UI" panose="020B0604030504040204" pitchFamily="50" charset="-128"/>
+                <a:cs typeface="+mn-cs"/>
+              </a:rPr>
+              <a:t>ある調査では</a:t>
+            </a:r>
             <a:r>
               <a:rPr lang="en-US" altLang="ja-JP" sz="1200" b="1" i="0" kern="1200" dirty="0">
                 <a:solidFill>
@@ -1065,7 +956,7 @@
                 <a:ea typeface="Meiryo UI" panose="020B0604030504040204" pitchFamily="50" charset="-128"/>
                 <a:cs typeface="+mn-cs"/>
               </a:rPr>
-              <a:t>2016</a:t>
+              <a:t>15</a:t>
             </a:r>
             <a:r>
               <a:rPr lang="ja-JP" altLang="en-US" sz="1200" b="1" i="0" kern="1200" dirty="0">
@@ -1077,7 +968,7 @@
                 <a:ea typeface="Meiryo UI" panose="020B0604030504040204" pitchFamily="50" charset="-128"/>
                 <a:cs typeface="+mn-cs"/>
               </a:rPr>
-              <a:t>年</a:t>
+              <a:t>歳～</a:t>
             </a:r>
             <a:r>
               <a:rPr lang="en-US" altLang="ja-JP" sz="1200" b="1" i="0" kern="1200" dirty="0">
@@ -1089,7 +980,7 @@
                 <a:ea typeface="Meiryo UI" panose="020B0604030504040204" pitchFamily="50" charset="-128"/>
                 <a:cs typeface="+mn-cs"/>
               </a:rPr>
-              <a:t>6</a:t>
+              <a:t>69</a:t>
             </a:r>
             <a:r>
               <a:rPr lang="ja-JP" altLang="en-US" sz="1200" b="1" i="0" kern="1200" dirty="0">
@@ -1101,7 +992,7 @@
                 <a:ea typeface="Meiryo UI" panose="020B0604030504040204" pitchFamily="50" charset="-128"/>
                 <a:cs typeface="+mn-cs"/>
               </a:rPr>
-              <a:t>月時点におけるスマホゲーム人口は推定</a:t>
+              <a:t>歳におけるスマートフォン所有人口は推定</a:t>
             </a:r>
             <a:r>
               <a:rPr lang="en-US" altLang="ja-JP" sz="1200" b="1" i="0" kern="1200" dirty="0">
@@ -1113,7 +1004,7 @@
                 <a:ea typeface="Meiryo UI" panose="020B0604030504040204" pitchFamily="50" charset="-128"/>
                 <a:cs typeface="+mn-cs"/>
               </a:rPr>
-              <a:t>2581</a:t>
+              <a:t>5343</a:t>
             </a:r>
             <a:r>
               <a:rPr lang="ja-JP" altLang="en-US" sz="1200" b="1" i="0" kern="1200" dirty="0">
@@ -1125,9 +1016,9 @@
                 <a:ea typeface="Meiryo UI" panose="020B0604030504040204" pitchFamily="50" charset="-128"/>
                 <a:cs typeface="+mn-cs"/>
               </a:rPr>
-              <a:t>万人になります。</a:t>
-            </a:r>
-            <a:endParaRPr lang="en-US" altLang="ja-JP" sz="1200" b="1" i="0" kern="1200" dirty="0">
+              <a:t>万人と言われています。</a:t>
+            </a:r>
+            <a:endParaRPr lang="en-US" altLang="ja-JP" sz="1200" b="0" i="0" kern="1200" dirty="0">
               <a:solidFill>
                 <a:schemeClr val="tx1"/>
               </a:solidFill>
@@ -1138,9 +1029,25 @@
             </a:endParaRPr>
           </a:p>
           <a:p>
-            <a:pPr fontAlgn="base"/>
-            <a:r>
-              <a:rPr lang="ja-JP" altLang="en-US" sz="1200" b="1" i="0" kern="1200" dirty="0">
+            <a:pPr marL="0" marR="0" lvl="0" indent="0" algn="l" defTabSz="914400" rtl="0" eaLnBrk="1" fontAlgn="auto" latinLnBrk="0" hangingPunct="1">
+              <a:lnSpc>
+                <a:spcPct val="100000"/>
+              </a:lnSpc>
+              <a:spcBef>
+                <a:spcPts val="0"/>
+              </a:spcBef>
+              <a:spcAft>
+                <a:spcPts val="0"/>
+              </a:spcAft>
+              <a:buClrTx/>
+              <a:buSzTx/>
+              <a:buFontTx/>
+              <a:buNone/>
+              <a:tabLst/>
+              <a:defRPr/>
+            </a:pPr>
+            <a:r>
+              <a:rPr lang="ja-JP" altLang="en-US" sz="1200" b="0" i="0" kern="1200" dirty="0">
                 <a:solidFill>
                   <a:schemeClr val="tx1"/>
                 </a:solidFill>
@@ -1149,57 +1056,9 @@
                 <a:ea typeface="Meiryo UI" panose="020B0604030504040204" pitchFamily="50" charset="-128"/>
                 <a:cs typeface="+mn-cs"/>
               </a:rPr>
-              <a:t>日本人口の</a:t>
-            </a:r>
-            <a:r>
-              <a:rPr lang="en-US" altLang="ja-JP" sz="1200" b="1" i="0" kern="1200" dirty="0">
-                <a:solidFill>
-                  <a:schemeClr val="tx1"/>
-                </a:solidFill>
-                <a:effectLst/>
-                <a:latin typeface="Meiryo UI" panose="020B0604030504040204" pitchFamily="50" charset="-128"/>
-                <a:ea typeface="Meiryo UI" panose="020B0604030504040204" pitchFamily="50" charset="-128"/>
-                <a:cs typeface="+mn-cs"/>
-              </a:rPr>
-              <a:t>6</a:t>
-            </a:r>
-            <a:r>
-              <a:rPr lang="ja-JP" altLang="en-US" sz="1200" b="1" i="0" kern="1200" dirty="0">
-                <a:solidFill>
-                  <a:schemeClr val="tx1"/>
-                </a:solidFill>
-                <a:effectLst/>
-                <a:latin typeface="Meiryo UI" panose="020B0604030504040204" pitchFamily="50" charset="-128"/>
-                <a:ea typeface="Meiryo UI" panose="020B0604030504040204" pitchFamily="50" charset="-128"/>
-                <a:cs typeface="+mn-cs"/>
-              </a:rPr>
-              <a:t>人に</a:t>
-            </a:r>
-            <a:r>
-              <a:rPr lang="en-US" altLang="ja-JP" sz="1200" b="1" i="0" kern="1200" dirty="0">
-                <a:solidFill>
-                  <a:schemeClr val="tx1"/>
-                </a:solidFill>
-                <a:effectLst/>
-                <a:latin typeface="Meiryo UI" panose="020B0604030504040204" pitchFamily="50" charset="-128"/>
-                <a:ea typeface="Meiryo UI" panose="020B0604030504040204" pitchFamily="50" charset="-128"/>
-                <a:cs typeface="+mn-cs"/>
-              </a:rPr>
-              <a:t>1</a:t>
-            </a:r>
-            <a:r>
-              <a:rPr lang="ja-JP" altLang="en-US" sz="1200" b="1" i="0" kern="1200" dirty="0">
-                <a:solidFill>
-                  <a:schemeClr val="tx1"/>
-                </a:solidFill>
-                <a:effectLst/>
-                <a:latin typeface="Meiryo UI" panose="020B0604030504040204" pitchFamily="50" charset="-128"/>
-                <a:ea typeface="Meiryo UI" panose="020B0604030504040204" pitchFamily="50" charset="-128"/>
-                <a:cs typeface="+mn-cs"/>
-              </a:rPr>
-              <a:t>人が「ほぼ毎日」スマホゲームをプレイしている。</a:t>
-            </a:r>
-            <a:endParaRPr lang="ja-JP" altLang="en-US" sz="1200" b="0" i="0" kern="1200" dirty="0">
+              <a:t>およそ日本の総人口半分に当たります。</a:t>
+            </a:r>
+            <a:endParaRPr lang="en-US" altLang="ja-JP" sz="1200" b="0" i="0" kern="1200" dirty="0">
               <a:solidFill>
                 <a:schemeClr val="tx1"/>
               </a:solidFill>
@@ -1208,105 +1067,6 @@
               <a:ea typeface="Meiryo UI" panose="020B0604030504040204" pitchFamily="50" charset="-128"/>
               <a:cs typeface="+mn-cs"/>
             </a:endParaRPr>
-          </a:p>
-          <a:p>
-            <a:pPr fontAlgn="base"/>
-            <a:r>
-              <a:rPr lang="ja-JP" altLang="en-US" sz="1200" b="1" i="0" kern="1200" dirty="0">
-                <a:solidFill>
-                  <a:schemeClr val="tx1"/>
-                </a:solidFill>
-                <a:effectLst/>
-                <a:latin typeface="Meiryo UI" panose="020B0604030504040204" pitchFamily="50" charset="-128"/>
-                <a:ea typeface="Meiryo UI" panose="020B0604030504040204" pitchFamily="50" charset="-128"/>
-                <a:cs typeface="+mn-cs"/>
-              </a:rPr>
-              <a:t>利用頻度については、ほぼ毎日プレイが推定</a:t>
-            </a:r>
-            <a:r>
-              <a:rPr lang="en-US" altLang="ja-JP" sz="1200" b="1" i="0" kern="1200" dirty="0">
-                <a:solidFill>
-                  <a:schemeClr val="tx1"/>
-                </a:solidFill>
-                <a:effectLst/>
-                <a:latin typeface="Meiryo UI" panose="020B0604030504040204" pitchFamily="50" charset="-128"/>
-                <a:ea typeface="Meiryo UI" panose="020B0604030504040204" pitchFamily="50" charset="-128"/>
-                <a:cs typeface="+mn-cs"/>
-              </a:rPr>
-              <a:t>1508</a:t>
-            </a:r>
-            <a:r>
-              <a:rPr lang="ja-JP" altLang="en-US" sz="1200" b="1" i="0" kern="1200" dirty="0">
-                <a:solidFill>
-                  <a:schemeClr val="tx1"/>
-                </a:solidFill>
-                <a:effectLst/>
-                <a:latin typeface="Meiryo UI" panose="020B0604030504040204" pitchFamily="50" charset="-128"/>
-                <a:ea typeface="Meiryo UI" panose="020B0604030504040204" pitchFamily="50" charset="-128"/>
-                <a:cs typeface="+mn-cs"/>
-              </a:rPr>
-              <a:t>万人となり</a:t>
-            </a:r>
-            <a:r>
-              <a:rPr lang="ja-JP" altLang="en-US" sz="1200" b="0" i="0" kern="1200" dirty="0">
-                <a:solidFill>
-                  <a:schemeClr val="tx1"/>
-                </a:solidFill>
-                <a:effectLst/>
-                <a:latin typeface="Meiryo UI" panose="020B0604030504040204" pitchFamily="50" charset="-128"/>
-                <a:ea typeface="Meiryo UI" panose="020B0604030504040204" pitchFamily="50" charset="-128"/>
-                <a:cs typeface="+mn-cs"/>
-              </a:rPr>
-              <a:t>、</a:t>
-            </a:r>
-            <a:r>
-              <a:rPr lang="en-US" altLang="ja-JP" sz="1200" b="0" i="0" kern="1200" dirty="0">
-                <a:solidFill>
-                  <a:schemeClr val="tx1"/>
-                </a:solidFill>
-                <a:effectLst/>
-                <a:latin typeface="Meiryo UI" panose="020B0604030504040204" pitchFamily="50" charset="-128"/>
-                <a:ea typeface="Meiryo UI" panose="020B0604030504040204" pitchFamily="50" charset="-128"/>
-                <a:cs typeface="+mn-cs"/>
-              </a:rPr>
-              <a:t>6</a:t>
-            </a:r>
-            <a:r>
-              <a:rPr lang="ja-JP" altLang="en-US" sz="1200" b="0" i="0" kern="1200" dirty="0">
-                <a:solidFill>
-                  <a:schemeClr val="tx1"/>
-                </a:solidFill>
-                <a:effectLst/>
-                <a:latin typeface="Meiryo UI" panose="020B0604030504040204" pitchFamily="50" charset="-128"/>
-                <a:ea typeface="Meiryo UI" panose="020B0604030504040204" pitchFamily="50" charset="-128"/>
-                <a:cs typeface="+mn-cs"/>
-              </a:rPr>
-              <a:t>人に</a:t>
-            </a:r>
-            <a:r>
-              <a:rPr lang="en-US" altLang="ja-JP" sz="1200" b="0" i="0" kern="1200" dirty="0">
-                <a:solidFill>
-                  <a:schemeClr val="tx1"/>
-                </a:solidFill>
-                <a:effectLst/>
-                <a:latin typeface="Meiryo UI" panose="020B0604030504040204" pitchFamily="50" charset="-128"/>
-                <a:ea typeface="Meiryo UI" panose="020B0604030504040204" pitchFamily="50" charset="-128"/>
-                <a:cs typeface="+mn-cs"/>
-              </a:rPr>
-              <a:t>1</a:t>
-            </a:r>
-            <a:r>
-              <a:rPr lang="ja-JP" altLang="en-US" sz="1200" b="0" i="0" kern="1200" dirty="0">
-                <a:solidFill>
-                  <a:schemeClr val="tx1"/>
-                </a:solidFill>
-                <a:effectLst/>
-                <a:latin typeface="Meiryo UI" panose="020B0604030504040204" pitchFamily="50" charset="-128"/>
-                <a:ea typeface="Meiryo UI" panose="020B0604030504040204" pitchFamily="50" charset="-128"/>
-                <a:cs typeface="+mn-cs"/>
-              </a:rPr>
-              <a:t>人が毎日スマホゲームを起動していることになります。</a:t>
-            </a:r>
           </a:p>
           <a:p>
             <a:pPr marL="0" marR="0" lvl="0" indent="0" algn="l" defTabSz="914400" rtl="0" eaLnBrk="1" fontAlgn="auto" latinLnBrk="0" hangingPunct="1">
@@ -1364,9 +1124,96 @@
                 <a:ea typeface="Meiryo UI" panose="020B0604030504040204" pitchFamily="50" charset="-128"/>
                 <a:cs typeface="+mn-cs"/>
               </a:rPr>
-              <a:t>では、ユーザーはどのようなゲームがしたいのか？</a:t>
-            </a:r>
-            <a:endParaRPr lang="en-US" altLang="ja-JP" sz="1200" b="0" i="0" kern="1200" dirty="0">
+              <a:t>その中で、スマホゲーム人口は約</a:t>
+            </a:r>
+            <a:r>
+              <a:rPr lang="en-US" altLang="ja-JP" sz="1200" b="0" i="0" kern="1200" dirty="0">
+                <a:solidFill>
+                  <a:schemeClr val="tx1"/>
+                </a:solidFill>
+                <a:effectLst/>
+                <a:latin typeface="Meiryo UI" panose="020B0604030504040204" pitchFamily="50" charset="-128"/>
+                <a:ea typeface="Meiryo UI" panose="020B0604030504040204" pitchFamily="50" charset="-128"/>
+                <a:cs typeface="+mn-cs"/>
+              </a:rPr>
+              <a:t>2581</a:t>
+            </a:r>
+            <a:r>
+              <a:rPr lang="ja-JP" altLang="en-US" sz="1200" b="0" i="0" kern="1200" dirty="0">
+                <a:solidFill>
+                  <a:schemeClr val="tx1"/>
+                </a:solidFill>
+                <a:effectLst/>
+                <a:latin typeface="Meiryo UI" panose="020B0604030504040204" pitchFamily="50" charset="-128"/>
+                <a:ea typeface="Meiryo UI" panose="020B0604030504040204" pitchFamily="50" charset="-128"/>
+                <a:cs typeface="+mn-cs"/>
+              </a:rPr>
+              <a:t>万人（国内）</a:t>
+            </a:r>
+            <a:r>
+              <a:rPr lang="en-US" altLang="ja-JP" sz="1200" b="0" i="0" kern="1200" dirty="0">
+                <a:solidFill>
+                  <a:schemeClr val="tx1"/>
+                </a:solidFill>
+                <a:effectLst/>
+                <a:latin typeface="Meiryo UI" panose="020B0604030504040204" pitchFamily="50" charset="-128"/>
+                <a:ea typeface="Meiryo UI" panose="020B0604030504040204" pitchFamily="50" charset="-128"/>
+                <a:cs typeface="+mn-cs"/>
+              </a:rPr>
+              <a:t>【2016</a:t>
+            </a:r>
+            <a:r>
+              <a:rPr lang="ja-JP" altLang="en-US" sz="1200" b="0" i="0" kern="1200" dirty="0">
+                <a:solidFill>
+                  <a:schemeClr val="tx1"/>
+                </a:solidFill>
+                <a:effectLst/>
+                <a:latin typeface="Meiryo UI" panose="020B0604030504040204" pitchFamily="50" charset="-128"/>
+                <a:ea typeface="Meiryo UI" panose="020B0604030504040204" pitchFamily="50" charset="-128"/>
+                <a:cs typeface="+mn-cs"/>
+              </a:rPr>
+              <a:t>年</a:t>
+            </a:r>
+            <a:r>
+              <a:rPr lang="en-US" altLang="ja-JP" sz="1200" b="0" i="0" kern="1200" dirty="0">
+                <a:solidFill>
+                  <a:schemeClr val="tx1"/>
+                </a:solidFill>
+                <a:effectLst/>
+                <a:latin typeface="Meiryo UI" panose="020B0604030504040204" pitchFamily="50" charset="-128"/>
+                <a:ea typeface="Meiryo UI" panose="020B0604030504040204" pitchFamily="50" charset="-128"/>
+                <a:cs typeface="+mn-cs"/>
+              </a:rPr>
+              <a:t>6</a:t>
+            </a:r>
+            <a:r>
+              <a:rPr lang="ja-JP" altLang="en-US" sz="1200" b="0" i="0" kern="1200" dirty="0">
+                <a:solidFill>
+                  <a:schemeClr val="tx1"/>
+                </a:solidFill>
+                <a:effectLst/>
+                <a:latin typeface="Meiryo UI" panose="020B0604030504040204" pitchFamily="50" charset="-128"/>
+                <a:ea typeface="Meiryo UI" panose="020B0604030504040204" pitchFamily="50" charset="-128"/>
+                <a:cs typeface="+mn-cs"/>
+              </a:rPr>
+              <a:t>月最新</a:t>
+            </a:r>
+            <a:r>
+              <a:rPr lang="en-US" altLang="ja-JP" sz="1200" b="0" i="0" kern="1200" dirty="0">
+                <a:solidFill>
+                  <a:schemeClr val="tx1"/>
+                </a:solidFill>
+                <a:effectLst/>
+                <a:latin typeface="Meiryo UI" panose="020B0604030504040204" pitchFamily="50" charset="-128"/>
+                <a:ea typeface="Meiryo UI" panose="020B0604030504040204" pitchFamily="50" charset="-128"/>
+                <a:cs typeface="+mn-cs"/>
+              </a:rPr>
+              <a:t>】</a:t>
+            </a:r>
+          </a:p>
+          <a:p>
+            <a:pPr fontAlgn="base"/>
+            <a:endParaRPr lang="en-US" altLang="ja-JP" sz="1200" b="1" i="0" kern="1200" dirty="0">
               <a:solidFill>
                 <a:schemeClr val="tx1"/>
               </a:solidFill>
@@ -1377,7 +1224,7 @@
             </a:endParaRPr>
           </a:p>
           <a:p>
-            <a:pPr marL="0" marR="0" lvl="0" indent="0" algn="l" defTabSz="914400" rtl="0" eaLnBrk="1" fontAlgn="auto" latinLnBrk="0" hangingPunct="1">
+            <a:pPr marL="0" marR="0" lvl="0" indent="0" algn="l" defTabSz="914400" rtl="0" eaLnBrk="1" fontAlgn="base" latinLnBrk="0" hangingPunct="1">
               <a:lnSpc>
                 <a:spcPct val="100000"/>
               </a:lnSpc>
@@ -1395,6 +1242,42 @@
               <a:defRPr/>
             </a:pPr>
             <a:r>
+              <a:rPr lang="ja-JP" altLang="en-US" sz="1200" b="1" i="0" kern="1200" dirty="0">
+                <a:solidFill>
+                  <a:schemeClr val="tx1"/>
+                </a:solidFill>
+                <a:effectLst/>
+                <a:latin typeface="Meiryo UI" panose="020B0604030504040204" pitchFamily="50" charset="-128"/>
+                <a:ea typeface="Meiryo UI" panose="020B0604030504040204" pitchFamily="50" charset="-128"/>
+                <a:cs typeface="+mn-cs"/>
+              </a:rPr>
+              <a:t>利用頻度については、ほぼ毎日プレイが推定</a:t>
+            </a:r>
+            <a:r>
+              <a:rPr lang="en-US" altLang="ja-JP" sz="1200" b="1" i="0" kern="1200" dirty="0">
+                <a:solidFill>
+                  <a:schemeClr val="tx1"/>
+                </a:solidFill>
+                <a:effectLst/>
+                <a:latin typeface="Meiryo UI" panose="020B0604030504040204" pitchFamily="50" charset="-128"/>
+                <a:ea typeface="Meiryo UI" panose="020B0604030504040204" pitchFamily="50" charset="-128"/>
+                <a:cs typeface="+mn-cs"/>
+              </a:rPr>
+              <a:t>1508</a:t>
+            </a:r>
+            <a:r>
+              <a:rPr lang="ja-JP" altLang="en-US" sz="1200" b="1" i="0" kern="1200" dirty="0">
+                <a:solidFill>
+                  <a:schemeClr val="tx1"/>
+                </a:solidFill>
+                <a:effectLst/>
+                <a:latin typeface="Meiryo UI" panose="020B0604030504040204" pitchFamily="50" charset="-128"/>
+                <a:ea typeface="Meiryo UI" panose="020B0604030504040204" pitchFamily="50" charset="-128"/>
+                <a:cs typeface="+mn-cs"/>
+              </a:rPr>
+              <a:t>万人となり</a:t>
+            </a:r>
+            <a:r>
               <a:rPr lang="ja-JP" altLang="en-US" sz="1200" b="0" i="0" kern="1200" dirty="0">
                 <a:solidFill>
                   <a:schemeClr val="tx1"/>
@@ -1404,9 +1287,57 @@
                 <a:ea typeface="Meiryo UI" panose="020B0604030504040204" pitchFamily="50" charset="-128"/>
                 <a:cs typeface="+mn-cs"/>
               </a:rPr>
-              <a:t>図を御覧ください。</a:t>
-            </a:r>
-            <a:endParaRPr lang="en-US" altLang="ja-JP" sz="1200" b="0" i="0" kern="1200" dirty="0">
+              <a:t>、</a:t>
+            </a:r>
+            <a:r>
+              <a:rPr lang="en-US" altLang="ja-JP" sz="1200" b="0" i="0" kern="1200" dirty="0">
+                <a:solidFill>
+                  <a:schemeClr val="tx1"/>
+                </a:solidFill>
+                <a:effectLst/>
+                <a:latin typeface="Meiryo UI" panose="020B0604030504040204" pitchFamily="50" charset="-128"/>
+                <a:ea typeface="Meiryo UI" panose="020B0604030504040204" pitchFamily="50" charset="-128"/>
+                <a:cs typeface="+mn-cs"/>
+              </a:rPr>
+              <a:t>6</a:t>
+            </a:r>
+            <a:r>
+              <a:rPr lang="ja-JP" altLang="en-US" sz="1200" b="0" i="0" kern="1200" dirty="0">
+                <a:solidFill>
+                  <a:schemeClr val="tx1"/>
+                </a:solidFill>
+                <a:effectLst/>
+                <a:latin typeface="Meiryo UI" panose="020B0604030504040204" pitchFamily="50" charset="-128"/>
+                <a:ea typeface="Meiryo UI" panose="020B0604030504040204" pitchFamily="50" charset="-128"/>
+                <a:cs typeface="+mn-cs"/>
+              </a:rPr>
+              <a:t>人に</a:t>
+            </a:r>
+            <a:r>
+              <a:rPr lang="en-US" altLang="ja-JP" sz="1200" b="0" i="0" kern="1200" dirty="0">
+                <a:solidFill>
+                  <a:schemeClr val="tx1"/>
+                </a:solidFill>
+                <a:effectLst/>
+                <a:latin typeface="Meiryo UI" panose="020B0604030504040204" pitchFamily="50" charset="-128"/>
+                <a:ea typeface="Meiryo UI" panose="020B0604030504040204" pitchFamily="50" charset="-128"/>
+                <a:cs typeface="+mn-cs"/>
+              </a:rPr>
+              <a:t>1</a:t>
+            </a:r>
+            <a:r>
+              <a:rPr lang="ja-JP" altLang="en-US" sz="1200" b="0" i="0" kern="1200" dirty="0">
+                <a:solidFill>
+                  <a:schemeClr val="tx1"/>
+                </a:solidFill>
+                <a:effectLst/>
+                <a:latin typeface="Meiryo UI" panose="020B0604030504040204" pitchFamily="50" charset="-128"/>
+                <a:ea typeface="Meiryo UI" panose="020B0604030504040204" pitchFamily="50" charset="-128"/>
+                <a:cs typeface="+mn-cs"/>
+              </a:rPr>
+              <a:t>人が毎日スマホゲームを起動していることになります。</a:t>
+            </a:r>
+            <a:endParaRPr lang="en-US" altLang="ja-JP" sz="1200" b="1" i="0" kern="1200" dirty="0">
               <a:solidFill>
                 <a:schemeClr val="tx1"/>
               </a:solidFill>
@@ -1417,25 +1348,9 @@
             </a:endParaRPr>
           </a:p>
           <a:p>
-            <a:pPr marL="0" marR="0" lvl="0" indent="0" algn="l" defTabSz="914400" rtl="0" eaLnBrk="1" fontAlgn="auto" latinLnBrk="0" hangingPunct="1">
-              <a:lnSpc>
-                <a:spcPct val="100000"/>
-              </a:lnSpc>
-              <a:spcBef>
-                <a:spcPts val="0"/>
-              </a:spcBef>
-              <a:spcAft>
-                <a:spcPts val="0"/>
-              </a:spcAft>
-              <a:buClrTx/>
-              <a:buSzTx/>
-              <a:buFontTx/>
-              <a:buNone/>
-              <a:tabLst/>
-              <a:defRPr/>
-            </a:pPr>
-            <a:r>
-              <a:rPr lang="ja-JP" altLang="en-US" sz="1200" b="0" i="0" kern="1200" dirty="0">
+            <a:pPr fontAlgn="base"/>
+            <a:r>
+              <a:rPr lang="ja-JP" altLang="en-US" sz="1200" b="1" i="0" kern="1200" dirty="0">
                 <a:solidFill>
                   <a:schemeClr val="tx1"/>
                 </a:solidFill>
@@ -1444,9 +1359,57 @@
                 <a:ea typeface="Meiryo UI" panose="020B0604030504040204" pitchFamily="50" charset="-128"/>
                 <a:cs typeface="+mn-cs"/>
               </a:rPr>
-              <a:t>それは、まったり遊べて簡単な操作で出来るゲームでした。</a:t>
-            </a:r>
-            <a:endParaRPr lang="en-US" altLang="ja-JP" sz="1200" b="0" i="0" kern="1200" dirty="0">
+              <a:t>日本人口の</a:t>
+            </a:r>
+            <a:r>
+              <a:rPr lang="en-US" altLang="ja-JP" sz="1200" b="1" i="0" kern="1200" dirty="0">
+                <a:solidFill>
+                  <a:schemeClr val="tx1"/>
+                </a:solidFill>
+                <a:effectLst/>
+                <a:latin typeface="Meiryo UI" panose="020B0604030504040204" pitchFamily="50" charset="-128"/>
+                <a:ea typeface="Meiryo UI" panose="020B0604030504040204" pitchFamily="50" charset="-128"/>
+                <a:cs typeface="+mn-cs"/>
+              </a:rPr>
+              <a:t>6</a:t>
+            </a:r>
+            <a:r>
+              <a:rPr lang="ja-JP" altLang="en-US" sz="1200" b="1" i="0" kern="1200" dirty="0">
+                <a:solidFill>
+                  <a:schemeClr val="tx1"/>
+                </a:solidFill>
+                <a:effectLst/>
+                <a:latin typeface="Meiryo UI" panose="020B0604030504040204" pitchFamily="50" charset="-128"/>
+                <a:ea typeface="Meiryo UI" panose="020B0604030504040204" pitchFamily="50" charset="-128"/>
+                <a:cs typeface="+mn-cs"/>
+              </a:rPr>
+              <a:t>人に</a:t>
+            </a:r>
+            <a:r>
+              <a:rPr lang="en-US" altLang="ja-JP" sz="1200" b="1" i="0" kern="1200" dirty="0">
+                <a:solidFill>
+                  <a:schemeClr val="tx1"/>
+                </a:solidFill>
+                <a:effectLst/>
+                <a:latin typeface="Meiryo UI" panose="020B0604030504040204" pitchFamily="50" charset="-128"/>
+                <a:ea typeface="Meiryo UI" panose="020B0604030504040204" pitchFamily="50" charset="-128"/>
+                <a:cs typeface="+mn-cs"/>
+              </a:rPr>
+              <a:t>1</a:t>
+            </a:r>
+            <a:r>
+              <a:rPr lang="ja-JP" altLang="en-US" sz="1200" b="1" i="0" kern="1200" dirty="0">
+                <a:solidFill>
+                  <a:schemeClr val="tx1"/>
+                </a:solidFill>
+                <a:effectLst/>
+                <a:latin typeface="Meiryo UI" panose="020B0604030504040204" pitchFamily="50" charset="-128"/>
+                <a:ea typeface="Meiryo UI" panose="020B0604030504040204" pitchFamily="50" charset="-128"/>
+                <a:cs typeface="+mn-cs"/>
+              </a:rPr>
+              <a:t>人が「ほぼ毎日」スマホゲームをプレイしている。</a:t>
+            </a:r>
+            <a:endParaRPr lang="ja-JP" altLang="en-US" sz="1200" b="0" i="0" kern="1200" dirty="0">
               <a:solidFill>
                 <a:schemeClr val="tx1"/>
               </a:solidFill>
@@ -1512,7 +1475,47 @@
                 <a:ea typeface="Meiryo UI" panose="020B0604030504040204" pitchFamily="50" charset="-128"/>
                 <a:cs typeface="+mn-cs"/>
               </a:rPr>
-              <a:t>そこで私たちは、上位に入っている好みの街が作成できる要素をさらに取り入れゲーム作成しました。</a:t>
+              <a:t>では、ユーザーはどのようなゲームがしたいのか？</a:t>
+            </a:r>
+            <a:endParaRPr lang="en-US" altLang="ja-JP" sz="1200" b="0" i="0" kern="1200" dirty="0">
+              <a:solidFill>
+                <a:schemeClr val="tx1"/>
+              </a:solidFill>
+              <a:effectLst/>
+              <a:latin typeface="Meiryo UI" panose="020B0604030504040204" pitchFamily="50" charset="-128"/>
+              <a:ea typeface="Meiryo UI" panose="020B0604030504040204" pitchFamily="50" charset="-128"/>
+              <a:cs typeface="+mn-cs"/>
+            </a:endParaRPr>
+          </a:p>
+          <a:p>
+            <a:pPr marL="0" marR="0" lvl="0" indent="0" algn="l" defTabSz="914400" rtl="0" eaLnBrk="1" fontAlgn="auto" latinLnBrk="0" hangingPunct="1">
+              <a:lnSpc>
+                <a:spcPct val="100000"/>
+              </a:lnSpc>
+              <a:spcBef>
+                <a:spcPts val="0"/>
+              </a:spcBef>
+              <a:spcAft>
+                <a:spcPts val="0"/>
+              </a:spcAft>
+              <a:buClrTx/>
+              <a:buSzTx/>
+              <a:buFontTx/>
+              <a:buNone/>
+              <a:tabLst/>
+              <a:defRPr/>
+            </a:pPr>
+            <a:r>
+              <a:rPr lang="ja-JP" altLang="en-US" sz="1200" b="0" i="0" kern="1200" dirty="0">
+                <a:solidFill>
+                  <a:schemeClr val="tx1"/>
+                </a:solidFill>
+                <a:effectLst/>
+                <a:latin typeface="Meiryo UI" panose="020B0604030504040204" pitchFamily="50" charset="-128"/>
+                <a:ea typeface="Meiryo UI" panose="020B0604030504040204" pitchFamily="50" charset="-128"/>
+                <a:cs typeface="+mn-cs"/>
+              </a:rPr>
+              <a:t>右のグラフを御覧ください。</a:t>
             </a:r>
             <a:endParaRPr lang="en-US" altLang="ja-JP" sz="1200" b="0" i="0" kern="1200" dirty="0">
               <a:solidFill>
@@ -1553,25 +1556,587 @@
             </a:endParaRPr>
           </a:p>
           <a:p>
-            <a:r>
-              <a:rPr kumimoji="1" lang="ja-JP" altLang="en-US" dirty="0">
-                <a:latin typeface="Meiryo UI" panose="020B0604030504040204" pitchFamily="50" charset="-128"/>
-                <a:ea typeface="Meiryo UI" panose="020B0604030504040204" pitchFamily="50" charset="-128"/>
+            <a:pPr marL="0" marR="0" lvl="0" indent="0" algn="l" defTabSz="914400" rtl="0" eaLnBrk="1" fontAlgn="auto" latinLnBrk="0" hangingPunct="1">
+              <a:lnSpc>
+                <a:spcPct val="100000"/>
+              </a:lnSpc>
+              <a:spcBef>
+                <a:spcPts val="0"/>
+              </a:spcBef>
+              <a:spcAft>
+                <a:spcPts val="0"/>
+              </a:spcAft>
+              <a:buClrTx/>
+              <a:buSzTx/>
+              <a:buFontTx/>
+              <a:buNone/>
+              <a:tabLst/>
+              <a:defRPr/>
+            </a:pPr>
+            <a:r>
+              <a:rPr lang="ja-JP" altLang="en-US" sz="1200" b="0" i="0" kern="1200" dirty="0">
+                <a:solidFill>
+                  <a:schemeClr val="tx1"/>
+                </a:solidFill>
+                <a:effectLst/>
+                <a:latin typeface="Meiryo UI" panose="020B0604030504040204" pitchFamily="50" charset="-128"/>
+                <a:ea typeface="Meiryo UI" panose="020B0604030504040204" pitchFamily="50" charset="-128"/>
+                <a:cs typeface="+mn-cs"/>
               </a:rPr>
-              <a:t>私たちは日頃ソーシャルゲームを開発しています。</a:t>
-            </a:r>
-            <a:endParaRPr kumimoji="1" lang="en-US" altLang="ja-JP" dirty="0">
+              <a:t>それは、まったり遊べて簡単な操作で出来るゲームでした。</a:t>
+            </a:r>
+            <a:endParaRPr lang="en-US" altLang="ja-JP" sz="1200" b="0" i="0" kern="1200" dirty="0">
+              <a:solidFill>
+                <a:schemeClr val="tx1"/>
+              </a:solidFill>
+              <a:effectLst/>
               <a:latin typeface="Meiryo UI" panose="020B0604030504040204" pitchFamily="50" charset="-128"/>
               <a:ea typeface="Meiryo UI" panose="020B0604030504040204" pitchFamily="50" charset="-128"/>
+              <a:cs typeface="+mn-cs"/>
             </a:endParaRPr>
           </a:p>
           <a:p>
+            <a:pPr marL="0" marR="0" lvl="0" indent="0" algn="l" defTabSz="914400" rtl="0" eaLnBrk="1" fontAlgn="auto" latinLnBrk="0" hangingPunct="1">
+              <a:lnSpc>
+                <a:spcPct val="100000"/>
+              </a:lnSpc>
+              <a:spcBef>
+                <a:spcPts val="0"/>
+              </a:spcBef>
+              <a:spcAft>
+                <a:spcPts val="0"/>
+              </a:spcAft>
+              <a:buClrTx/>
+              <a:buSzTx/>
+              <a:buFontTx/>
+              <a:buNone/>
+              <a:tabLst/>
+              <a:defRPr/>
+            </a:pPr>
+            <a:endParaRPr lang="en-US" altLang="ja-JP" sz="1200" b="0" i="0" kern="1200" dirty="0">
+              <a:solidFill>
+                <a:schemeClr val="tx1"/>
+              </a:solidFill>
+              <a:effectLst/>
+              <a:latin typeface="Meiryo UI" panose="020B0604030504040204" pitchFamily="50" charset="-128"/>
+              <a:ea typeface="Meiryo UI" panose="020B0604030504040204" pitchFamily="50" charset="-128"/>
+              <a:cs typeface="+mn-cs"/>
+            </a:endParaRPr>
+          </a:p>
+          <a:p>
+            <a:pPr marL="0" marR="0" lvl="0" indent="0" algn="l" defTabSz="914400" rtl="0" eaLnBrk="1" fontAlgn="auto" latinLnBrk="0" hangingPunct="1">
+              <a:lnSpc>
+                <a:spcPct val="100000"/>
+              </a:lnSpc>
+              <a:spcBef>
+                <a:spcPts val="0"/>
+              </a:spcBef>
+              <a:spcAft>
+                <a:spcPts val="0"/>
+              </a:spcAft>
+              <a:buClrTx/>
+              <a:buSzTx/>
+              <a:buFontTx/>
+              <a:buNone/>
+              <a:tabLst/>
+              <a:defRPr/>
+            </a:pPr>
+            <a:r>
+              <a:rPr lang="ja-JP" altLang="en-US" sz="1200" b="0" i="0" kern="1200" dirty="0">
+                <a:solidFill>
+                  <a:schemeClr val="tx1"/>
+                </a:solidFill>
+                <a:effectLst/>
+                <a:latin typeface="Meiryo UI" panose="020B0604030504040204" pitchFamily="50" charset="-128"/>
+                <a:ea typeface="Meiryo UI" panose="020B0604030504040204" pitchFamily="50" charset="-128"/>
+                <a:cs typeface="+mn-cs"/>
+              </a:rPr>
+              <a:t>最近のスマホゲーは忙しい！</a:t>
+            </a:r>
+            <a:endParaRPr lang="en-US" altLang="ja-JP" sz="1200" b="0" i="0" kern="1200" dirty="0">
+              <a:solidFill>
+                <a:schemeClr val="tx1"/>
+              </a:solidFill>
+              <a:effectLst/>
+              <a:latin typeface="Meiryo UI" panose="020B0604030504040204" pitchFamily="50" charset="-128"/>
+              <a:ea typeface="Meiryo UI" panose="020B0604030504040204" pitchFamily="50" charset="-128"/>
+              <a:cs typeface="+mn-cs"/>
+            </a:endParaRPr>
+          </a:p>
+          <a:p>
+            <a:pPr marL="0" marR="0" lvl="0" indent="0" algn="l" defTabSz="914400" rtl="0" eaLnBrk="1" fontAlgn="auto" latinLnBrk="0" hangingPunct="1">
+              <a:lnSpc>
+                <a:spcPct val="100000"/>
+              </a:lnSpc>
+              <a:spcBef>
+                <a:spcPts val="0"/>
+              </a:spcBef>
+              <a:spcAft>
+                <a:spcPts val="0"/>
+              </a:spcAft>
+              <a:buClrTx/>
+              <a:buSzTx/>
+              <a:buFontTx/>
+              <a:buNone/>
+              <a:tabLst/>
+              <a:defRPr/>
+            </a:pPr>
+            <a:r>
+              <a:rPr lang="ja-JP" altLang="en-US" sz="1200" b="0" i="0" kern="1200" dirty="0">
+                <a:solidFill>
+                  <a:schemeClr val="tx1"/>
+                </a:solidFill>
+                <a:effectLst/>
+                <a:latin typeface="Meiryo UI" panose="020B0604030504040204" pitchFamily="50" charset="-128"/>
+                <a:ea typeface="Meiryo UI" panose="020B0604030504040204" pitchFamily="50" charset="-128"/>
+                <a:cs typeface="+mn-cs"/>
+              </a:rPr>
+              <a:t>ログインボーナスがるために、あれ？今日ログイン</a:t>
+            </a:r>
+            <a:r>
+              <a:rPr lang="ja-JP" altLang="en-US" sz="1200" b="0" i="0" kern="1200" dirty="0" err="1">
+                <a:solidFill>
+                  <a:schemeClr val="tx1"/>
+                </a:solidFill>
+                <a:effectLst/>
+                <a:latin typeface="Meiryo UI" panose="020B0604030504040204" pitchFamily="50" charset="-128"/>
+                <a:ea typeface="Meiryo UI" panose="020B0604030504040204" pitchFamily="50" charset="-128"/>
+                <a:cs typeface="+mn-cs"/>
+              </a:rPr>
+              <a:t>したっけ</a:t>
+            </a:r>
+            <a:r>
+              <a:rPr lang="ja-JP" altLang="en-US" sz="1200" b="0" i="0" kern="1200" dirty="0">
+                <a:solidFill>
+                  <a:schemeClr val="tx1"/>
+                </a:solidFill>
+                <a:effectLst/>
+                <a:latin typeface="Meiryo UI" panose="020B0604030504040204" pitchFamily="50" charset="-128"/>
+                <a:ea typeface="Meiryo UI" panose="020B0604030504040204" pitchFamily="50" charset="-128"/>
+                <a:cs typeface="+mn-cs"/>
+              </a:rPr>
+              <a:t>？？</a:t>
+            </a:r>
+            <a:endParaRPr lang="en-US" altLang="ja-JP" sz="1200" b="0" i="0" kern="1200" dirty="0">
+              <a:solidFill>
+                <a:schemeClr val="tx1"/>
+              </a:solidFill>
+              <a:effectLst/>
+              <a:latin typeface="Meiryo UI" panose="020B0604030504040204" pitchFamily="50" charset="-128"/>
+              <a:ea typeface="Meiryo UI" panose="020B0604030504040204" pitchFamily="50" charset="-128"/>
+              <a:cs typeface="+mn-cs"/>
+            </a:endParaRPr>
+          </a:p>
+          <a:p>
+            <a:pPr marL="0" marR="0" lvl="0" indent="0" algn="l" defTabSz="914400" rtl="0" eaLnBrk="1" fontAlgn="auto" latinLnBrk="0" hangingPunct="1">
+              <a:lnSpc>
+                <a:spcPct val="100000"/>
+              </a:lnSpc>
+              <a:spcBef>
+                <a:spcPts val="0"/>
+              </a:spcBef>
+              <a:spcAft>
+                <a:spcPts val="0"/>
+              </a:spcAft>
+              <a:buClrTx/>
+              <a:buSzTx/>
+              <a:buFontTx/>
+              <a:buNone/>
+              <a:tabLst/>
+              <a:defRPr/>
+            </a:pPr>
+            <a:r>
+              <a:rPr lang="ja-JP" altLang="en-US" sz="1200" b="0" i="0" kern="1200" dirty="0">
+                <a:solidFill>
+                  <a:schemeClr val="tx1"/>
+                </a:solidFill>
+                <a:effectLst/>
+                <a:latin typeface="Meiryo UI" panose="020B0604030504040204" pitchFamily="50" charset="-128"/>
+                <a:ea typeface="Meiryo UI" panose="020B0604030504040204" pitchFamily="50" charset="-128"/>
+                <a:cs typeface="+mn-cs"/>
+              </a:rPr>
+              <a:t>と累計ログインボーナス維持のために半強制的にゲームを起動させられ</a:t>
+            </a:r>
+            <a:endParaRPr lang="en-US" altLang="ja-JP" sz="1200" b="0" i="0" kern="1200" dirty="0">
+              <a:solidFill>
+                <a:schemeClr val="tx1"/>
+              </a:solidFill>
+              <a:effectLst/>
+              <a:latin typeface="Meiryo UI" panose="020B0604030504040204" pitchFamily="50" charset="-128"/>
+              <a:ea typeface="Meiryo UI" panose="020B0604030504040204" pitchFamily="50" charset="-128"/>
+              <a:cs typeface="+mn-cs"/>
+            </a:endParaRPr>
+          </a:p>
+          <a:p>
+            <a:pPr marL="0" marR="0" lvl="0" indent="0" algn="l" defTabSz="914400" rtl="0" eaLnBrk="1" fontAlgn="auto" latinLnBrk="0" hangingPunct="1">
+              <a:lnSpc>
+                <a:spcPct val="100000"/>
+              </a:lnSpc>
+              <a:spcBef>
+                <a:spcPts val="0"/>
+              </a:spcBef>
+              <a:spcAft>
+                <a:spcPts val="0"/>
+              </a:spcAft>
+              <a:buClrTx/>
+              <a:buSzTx/>
+              <a:buFontTx/>
+              <a:buNone/>
+              <a:tabLst/>
+              <a:defRPr/>
+            </a:pPr>
+            <a:endParaRPr lang="en-US" altLang="ja-JP" sz="1200" b="0" i="0" kern="1200" dirty="0">
+              <a:solidFill>
+                <a:schemeClr val="tx1"/>
+              </a:solidFill>
+              <a:effectLst/>
+              <a:latin typeface="Meiryo UI" panose="020B0604030504040204" pitchFamily="50" charset="-128"/>
+              <a:ea typeface="Meiryo UI" panose="020B0604030504040204" pitchFamily="50" charset="-128"/>
+              <a:cs typeface="+mn-cs"/>
+            </a:endParaRPr>
+          </a:p>
+          <a:p>
+            <a:pPr marL="0" marR="0" lvl="0" indent="0" algn="l" defTabSz="914400" rtl="0" eaLnBrk="1" fontAlgn="auto" latinLnBrk="0" hangingPunct="1">
+              <a:lnSpc>
+                <a:spcPct val="100000"/>
+              </a:lnSpc>
+              <a:spcBef>
+                <a:spcPts val="0"/>
+              </a:spcBef>
+              <a:spcAft>
+                <a:spcPts val="0"/>
+              </a:spcAft>
+              <a:buClrTx/>
+              <a:buSzTx/>
+              <a:buFontTx/>
+              <a:buNone/>
+              <a:tabLst/>
+              <a:defRPr/>
+            </a:pPr>
+            <a:r>
+              <a:rPr lang="ja-JP" altLang="en-US" sz="1200" b="0" i="0" kern="1200" dirty="0">
+                <a:solidFill>
+                  <a:schemeClr val="tx1"/>
+                </a:solidFill>
+                <a:effectLst/>
+                <a:latin typeface="Meiryo UI" panose="020B0604030504040204" pitchFamily="50" charset="-128"/>
+                <a:ea typeface="Meiryo UI" panose="020B0604030504040204" pitchFamily="50" charset="-128"/>
+                <a:cs typeface="+mn-cs"/>
+              </a:rPr>
+              <a:t>チーム戦だ、なん</a:t>
+            </a:r>
+            <a:r>
+              <a:rPr lang="ja-JP" altLang="en-US" sz="1200" b="0" i="0" kern="1200" dirty="0" err="1">
+                <a:solidFill>
+                  <a:schemeClr val="tx1"/>
+                </a:solidFill>
+                <a:effectLst/>
+                <a:latin typeface="Meiryo UI" panose="020B0604030504040204" pitchFamily="50" charset="-128"/>
+                <a:ea typeface="Meiryo UI" panose="020B0604030504040204" pitchFamily="50" charset="-128"/>
+                <a:cs typeface="+mn-cs"/>
+              </a:rPr>
+              <a:t>だで</a:t>
+            </a:r>
+            <a:r>
+              <a:rPr lang="ja-JP" altLang="en-US" sz="1200" b="0" i="0" kern="1200" dirty="0">
+                <a:solidFill>
+                  <a:schemeClr val="tx1"/>
+                </a:solidFill>
+                <a:effectLst/>
+                <a:latin typeface="Meiryo UI" panose="020B0604030504040204" pitchFamily="50" charset="-128"/>
+                <a:ea typeface="Meiryo UI" panose="020B0604030504040204" pitchFamily="50" charset="-128"/>
+                <a:cs typeface="+mn-cs"/>
+              </a:rPr>
+              <a:t>通知が来るたびにゲームをきにしないといけない！</a:t>
+            </a:r>
+            <a:endParaRPr lang="en-US" altLang="ja-JP" sz="1200" b="0" i="0" kern="1200" dirty="0">
+              <a:solidFill>
+                <a:schemeClr val="tx1"/>
+              </a:solidFill>
+              <a:effectLst/>
+              <a:latin typeface="Meiryo UI" panose="020B0604030504040204" pitchFamily="50" charset="-128"/>
+              <a:ea typeface="Meiryo UI" panose="020B0604030504040204" pitchFamily="50" charset="-128"/>
+              <a:cs typeface="+mn-cs"/>
+            </a:endParaRPr>
+          </a:p>
+          <a:p>
+            <a:pPr marL="0" marR="0" lvl="0" indent="0" algn="l" defTabSz="914400" rtl="0" eaLnBrk="1" fontAlgn="auto" latinLnBrk="0" hangingPunct="1">
+              <a:lnSpc>
+                <a:spcPct val="100000"/>
+              </a:lnSpc>
+              <a:spcBef>
+                <a:spcPts val="0"/>
+              </a:spcBef>
+              <a:spcAft>
+                <a:spcPts val="0"/>
+              </a:spcAft>
+              <a:buClrTx/>
+              <a:buSzTx/>
+              <a:buFontTx/>
+              <a:buNone/>
+              <a:tabLst/>
+              <a:defRPr/>
+            </a:pPr>
+            <a:endParaRPr lang="en-US" altLang="ja-JP" sz="1200" b="0" i="0" kern="1200" dirty="0">
+              <a:solidFill>
+                <a:schemeClr val="tx1"/>
+              </a:solidFill>
+              <a:effectLst/>
+              <a:latin typeface="Meiryo UI" panose="020B0604030504040204" pitchFamily="50" charset="-128"/>
+              <a:ea typeface="Meiryo UI" panose="020B0604030504040204" pitchFamily="50" charset="-128"/>
+              <a:cs typeface="+mn-cs"/>
+            </a:endParaRPr>
+          </a:p>
+          <a:p>
+            <a:pPr marL="0" marR="0" lvl="0" indent="0" algn="l" defTabSz="914400" rtl="0" eaLnBrk="1" fontAlgn="auto" latinLnBrk="0" hangingPunct="1">
+              <a:lnSpc>
+                <a:spcPct val="100000"/>
+              </a:lnSpc>
+              <a:spcBef>
+                <a:spcPts val="0"/>
+              </a:spcBef>
+              <a:spcAft>
+                <a:spcPts val="0"/>
+              </a:spcAft>
+              <a:buClrTx/>
+              <a:buSzTx/>
+              <a:buFontTx/>
+              <a:buNone/>
+              <a:tabLst/>
+              <a:defRPr/>
+            </a:pPr>
+            <a:r>
+              <a:rPr lang="ja-JP" altLang="en-US" sz="1200" b="0" i="0" kern="1200" dirty="0">
+                <a:solidFill>
+                  <a:schemeClr val="tx1"/>
+                </a:solidFill>
+                <a:effectLst/>
+                <a:latin typeface="Meiryo UI" panose="020B0604030504040204" pitchFamily="50" charset="-128"/>
+                <a:ea typeface="Meiryo UI" panose="020B0604030504040204" pitchFamily="50" charset="-128"/>
+                <a:cs typeface="+mn-cs"/>
+              </a:rPr>
+              <a:t>一日に何時間画面を見ることになるやら</a:t>
+            </a:r>
+            <a:r>
+              <a:rPr lang="en-US" altLang="ja-JP" sz="1200" b="0" i="0" kern="1200" dirty="0">
+                <a:solidFill>
+                  <a:schemeClr val="tx1"/>
+                </a:solidFill>
+                <a:effectLst/>
+                <a:latin typeface="Meiryo UI" panose="020B0604030504040204" pitchFamily="50" charset="-128"/>
+                <a:ea typeface="Meiryo UI" panose="020B0604030504040204" pitchFamily="50" charset="-128"/>
+                <a:cs typeface="+mn-cs"/>
+              </a:rPr>
+              <a:t>…</a:t>
+            </a:r>
+          </a:p>
+          <a:p>
+            <a:pPr marL="0" marR="0" lvl="0" indent="0" algn="l" defTabSz="914400" rtl="0" eaLnBrk="1" fontAlgn="auto" latinLnBrk="0" hangingPunct="1">
+              <a:lnSpc>
+                <a:spcPct val="100000"/>
+              </a:lnSpc>
+              <a:spcBef>
+                <a:spcPts val="0"/>
+              </a:spcBef>
+              <a:spcAft>
+                <a:spcPts val="0"/>
+              </a:spcAft>
+              <a:buClrTx/>
+              <a:buSzTx/>
+              <a:buFontTx/>
+              <a:buNone/>
+              <a:tabLst/>
+              <a:defRPr/>
+            </a:pPr>
+            <a:r>
+              <a:rPr lang="ja-JP" altLang="en-US" sz="1200" b="0" i="0" kern="1200" dirty="0">
+                <a:solidFill>
+                  <a:schemeClr val="tx1"/>
+                </a:solidFill>
+                <a:effectLst/>
+                <a:latin typeface="Meiryo UI" panose="020B0604030504040204" pitchFamily="50" charset="-128"/>
+                <a:ea typeface="Meiryo UI" panose="020B0604030504040204" pitchFamily="50" charset="-128"/>
+                <a:cs typeface="+mn-cs"/>
+              </a:rPr>
+              <a:t>スマホゲーム好きの皆さん、</a:t>
+            </a:r>
+            <a:r>
+              <a:rPr lang="ja-JP" altLang="en-US" sz="1200" b="0" i="0" kern="1200" dirty="0">
+                <a:solidFill>
+                  <a:schemeClr val="tx1"/>
+                </a:solidFill>
+                <a:effectLst/>
+                <a:latin typeface="Meiryo UI" panose="020B0604030504040204" pitchFamily="50" charset="-128"/>
+                <a:ea typeface="Meiryo UI" panose="020B0604030504040204" pitchFamily="50" charset="-128"/>
+                <a:cs typeface="+mn-cs"/>
+              </a:rPr>
+              <a:t>肩こりの原因はそのゲームかもしれません</a:t>
+            </a:r>
+            <a:r>
+              <a:rPr lang="ja-JP" altLang="en-US" sz="1200" b="0" i="0" kern="1200" dirty="0" err="1">
+                <a:solidFill>
+                  <a:schemeClr val="tx1"/>
+                </a:solidFill>
+                <a:effectLst/>
+                <a:latin typeface="Meiryo UI" panose="020B0604030504040204" pitchFamily="50" charset="-128"/>
+                <a:ea typeface="Meiryo UI" panose="020B0604030504040204" pitchFamily="50" charset="-128"/>
+                <a:cs typeface="+mn-cs"/>
+              </a:rPr>
+              <a:t>よ笑</a:t>
+            </a:r>
+            <a:endParaRPr lang="en-US" altLang="ja-JP" sz="1200" b="0" i="0" kern="1200" dirty="0">
+              <a:solidFill>
+                <a:schemeClr val="tx1"/>
+              </a:solidFill>
+              <a:effectLst/>
+              <a:latin typeface="Meiryo UI" panose="020B0604030504040204" pitchFamily="50" charset="-128"/>
+              <a:ea typeface="Meiryo UI" panose="020B0604030504040204" pitchFamily="50" charset="-128"/>
+              <a:cs typeface="+mn-cs"/>
+            </a:endParaRPr>
+          </a:p>
+          <a:p>
+            <a:pPr marL="0" marR="0" lvl="0" indent="0" algn="l" defTabSz="914400" rtl="0" eaLnBrk="1" fontAlgn="auto" latinLnBrk="0" hangingPunct="1">
+              <a:lnSpc>
+                <a:spcPct val="100000"/>
+              </a:lnSpc>
+              <a:spcBef>
+                <a:spcPts val="0"/>
+              </a:spcBef>
+              <a:spcAft>
+                <a:spcPts val="0"/>
+              </a:spcAft>
+              <a:buClrTx/>
+              <a:buSzTx/>
+              <a:buFontTx/>
+              <a:buNone/>
+              <a:tabLst/>
+              <a:defRPr/>
+            </a:pPr>
+            <a:endParaRPr lang="en-US" altLang="ja-JP" sz="1200" b="0" i="0" kern="1200" dirty="0">
+              <a:solidFill>
+                <a:schemeClr val="tx1"/>
+              </a:solidFill>
+              <a:effectLst/>
+              <a:latin typeface="Meiryo UI" panose="020B0604030504040204" pitchFamily="50" charset="-128"/>
+              <a:ea typeface="Meiryo UI" panose="020B0604030504040204" pitchFamily="50" charset="-128"/>
+              <a:cs typeface="+mn-cs"/>
+            </a:endParaRPr>
+          </a:p>
+          <a:p>
+            <a:pPr marL="0" marR="0" lvl="0" indent="0" algn="l" defTabSz="914400" rtl="0" eaLnBrk="1" fontAlgn="auto" latinLnBrk="0" hangingPunct="1">
+              <a:lnSpc>
+                <a:spcPct val="100000"/>
+              </a:lnSpc>
+              <a:spcBef>
+                <a:spcPts val="0"/>
+              </a:spcBef>
+              <a:spcAft>
+                <a:spcPts val="0"/>
+              </a:spcAft>
+              <a:buClrTx/>
+              <a:buSzTx/>
+              <a:buFontTx/>
+              <a:buNone/>
+              <a:tabLst/>
+              <a:defRPr/>
+            </a:pPr>
+            <a:r>
+              <a:rPr lang="ja-JP" altLang="en-US" sz="1200" b="0" i="0" kern="1200" dirty="0">
+                <a:solidFill>
+                  <a:schemeClr val="tx1"/>
+                </a:solidFill>
+                <a:effectLst/>
+                <a:latin typeface="Meiryo UI" panose="020B0604030504040204" pitchFamily="50" charset="-128"/>
+                <a:ea typeface="Meiryo UI" panose="020B0604030504040204" pitchFamily="50" charset="-128"/>
+                <a:cs typeface="+mn-cs"/>
+              </a:rPr>
+              <a:t>しかし、このゲームは時間を気にせずにプレイが出来、</a:t>
+            </a:r>
+            <a:endParaRPr lang="en-US" altLang="ja-JP" sz="1200" b="0" i="0" kern="1200" dirty="0">
+              <a:solidFill>
+                <a:schemeClr val="tx1"/>
+              </a:solidFill>
+              <a:effectLst/>
+              <a:latin typeface="Meiryo UI" panose="020B0604030504040204" pitchFamily="50" charset="-128"/>
+              <a:ea typeface="Meiryo UI" panose="020B0604030504040204" pitchFamily="50" charset="-128"/>
+              <a:cs typeface="+mn-cs"/>
+            </a:endParaRPr>
+          </a:p>
+          <a:p>
+            <a:pPr marL="0" marR="0" lvl="0" indent="0" algn="l" defTabSz="914400" rtl="0" eaLnBrk="1" fontAlgn="auto" latinLnBrk="0" hangingPunct="1">
+              <a:lnSpc>
+                <a:spcPct val="100000"/>
+              </a:lnSpc>
+              <a:spcBef>
+                <a:spcPts val="0"/>
+              </a:spcBef>
+              <a:spcAft>
+                <a:spcPts val="0"/>
+              </a:spcAft>
+              <a:buClrTx/>
+              <a:buSzTx/>
+              <a:buFontTx/>
+              <a:buNone/>
+              <a:tabLst/>
+              <a:defRPr/>
+            </a:pPr>
+            <a:r>
+              <a:rPr lang="ja-JP" altLang="en-US" sz="1200" b="0" i="0" kern="1200" dirty="0">
+                <a:solidFill>
+                  <a:schemeClr val="tx1"/>
+                </a:solidFill>
+                <a:effectLst/>
+                <a:latin typeface="Meiryo UI" panose="020B0604030504040204" pitchFamily="50" charset="-128"/>
+                <a:ea typeface="Meiryo UI" panose="020B0604030504040204" pitchFamily="50" charset="-128"/>
+                <a:cs typeface="+mn-cs"/>
+              </a:rPr>
+              <a:t>かつ操作は運転をするだけのとてもシンプルな構成！</a:t>
+            </a:r>
+            <a:endParaRPr lang="en-US" altLang="ja-JP" sz="1200" b="0" i="0" kern="1200" dirty="0">
+              <a:solidFill>
+                <a:schemeClr val="tx1"/>
+              </a:solidFill>
+              <a:effectLst/>
+              <a:latin typeface="Meiryo UI" panose="020B0604030504040204" pitchFamily="50" charset="-128"/>
+              <a:ea typeface="Meiryo UI" panose="020B0604030504040204" pitchFamily="50" charset="-128"/>
+              <a:cs typeface="+mn-cs"/>
+            </a:endParaRPr>
+          </a:p>
+          <a:p>
+            <a:pPr marL="0" marR="0" lvl="0" indent="0" algn="l" defTabSz="914400" rtl="0" eaLnBrk="1" fontAlgn="auto" latinLnBrk="0" hangingPunct="1">
+              <a:lnSpc>
+                <a:spcPct val="100000"/>
+              </a:lnSpc>
+              <a:spcBef>
+                <a:spcPts val="0"/>
+              </a:spcBef>
+              <a:spcAft>
+                <a:spcPts val="0"/>
+              </a:spcAft>
+              <a:buClrTx/>
+              <a:buSzTx/>
+              <a:buFontTx/>
+              <a:buNone/>
+              <a:tabLst/>
+              <a:defRPr/>
+            </a:pPr>
+            <a:endParaRPr lang="en-US" altLang="ja-JP" sz="1200" b="0" i="0" kern="1200" dirty="0">
+              <a:solidFill>
+                <a:schemeClr val="tx1"/>
+              </a:solidFill>
+              <a:effectLst/>
+              <a:latin typeface="Meiryo UI" panose="020B0604030504040204" pitchFamily="50" charset="-128"/>
+              <a:ea typeface="Meiryo UI" panose="020B0604030504040204" pitchFamily="50" charset="-128"/>
+              <a:cs typeface="+mn-cs"/>
+            </a:endParaRPr>
+          </a:p>
+          <a:p>
             <a:r>
               <a:rPr kumimoji="1" lang="ja-JP" altLang="en-US" dirty="0">
                 <a:latin typeface="Meiryo UI" panose="020B0604030504040204" pitchFamily="50" charset="-128"/>
                 <a:ea typeface="Meiryo UI" panose="020B0604030504040204" pitchFamily="50" charset="-128"/>
               </a:rPr>
-              <a:t>そのノウハウを活用し、提案するのがこちら、村おこしです！</a:t>
+              <a:t>提案するのがこちら、村おこしです！</a:t>
             </a:r>
             <a:endParaRPr kumimoji="1" lang="en-US" altLang="ja-JP" dirty="0">
               <a:latin typeface="Meiryo UI" panose="020B0604030504040204" pitchFamily="50" charset="-128"/>
@@ -1853,10 +2418,45 @@
           <a:bodyPr/>
           <a:lstStyle/>
           <a:p>
-            <a:endParaRPr kumimoji="1" lang="ja-JP" altLang="en-US" dirty="0">
+            <a:r>
+              <a:rPr kumimoji="1" lang="ja-JP" altLang="en-US" dirty="0">
+                <a:latin typeface="Meiryo UI" panose="020B0604030504040204" pitchFamily="50" charset="-128"/>
+                <a:ea typeface="Meiryo UI" panose="020B0604030504040204" pitchFamily="50" charset="-128"/>
+              </a:rPr>
+              <a:t>人口が増加すると、都市化が進みます。</a:t>
+            </a:r>
+            <a:endParaRPr kumimoji="1" lang="en-US" altLang="ja-JP" dirty="0">
               <a:latin typeface="Meiryo UI" panose="020B0604030504040204" pitchFamily="50" charset="-128"/>
               <a:ea typeface="Meiryo UI" panose="020B0604030504040204" pitchFamily="50" charset="-128"/>
             </a:endParaRPr>
+          </a:p>
+          <a:p>
+            <a:r>
+              <a:rPr kumimoji="1" lang="ja-JP" altLang="en-US" dirty="0">
+                <a:latin typeface="Meiryo UI" panose="020B0604030504040204" pitchFamily="50" charset="-128"/>
+                <a:ea typeface="Meiryo UI" panose="020B0604030504040204" pitchFamily="50" charset="-128"/>
+              </a:rPr>
+              <a:t>こちらはほんの一例です。</a:t>
+            </a:r>
+            <a:endParaRPr kumimoji="1" lang="en-US" altLang="ja-JP" dirty="0">
+              <a:latin typeface="Meiryo UI" panose="020B0604030504040204" pitchFamily="50" charset="-128"/>
+              <a:ea typeface="Meiryo UI" panose="020B0604030504040204" pitchFamily="50" charset="-128"/>
+            </a:endParaRPr>
+          </a:p>
+          <a:p>
+            <a:endParaRPr kumimoji="1" lang="en-US" altLang="ja-JP" dirty="0">
+              <a:latin typeface="Meiryo UI" panose="020B0604030504040204" pitchFamily="50" charset="-128"/>
+              <a:ea typeface="Meiryo UI" panose="020B0604030504040204" pitchFamily="50" charset="-128"/>
+            </a:endParaRPr>
+          </a:p>
+          <a:p>
+            <a:r>
+              <a:rPr kumimoji="1" lang="ja-JP" altLang="en-US" dirty="0">
+                <a:latin typeface="Meiryo UI" panose="020B0604030504040204" pitchFamily="50" charset="-128"/>
+                <a:ea typeface="Meiryo UI" panose="020B0604030504040204" pitchFamily="50" charset="-128"/>
+              </a:rPr>
+              <a:t>それでは、いよいよ実際にゲームをやってみましょう。</a:t>
+            </a:r>
           </a:p>
         </p:txBody>
       </p:sp>
@@ -7380,21 +7980,23 @@
         </p:nvSpPr>
         <p:spPr>
           <a:xfrm>
-            <a:off x="2639616" y="2492896"/>
+            <a:off x="2711624" y="2492896"/>
             <a:ext cx="6984776" cy="1944216"/>
           </a:xfrm>
         </p:spPr>
         <p:txBody>
-          <a:bodyPr anchor="ctr"/>
+          <a:bodyPr anchor="ctr">
+            <a:normAutofit/>
+          </a:bodyPr>
           <a:lstStyle/>
           <a:p>
             <a:pPr algn="ctr"/>
             <a:r>
-              <a:rPr kumimoji="1" lang="ja-JP" altLang="en-US" dirty="0">
+              <a:rPr kumimoji="1" lang="ja-JP" altLang="en-US" sz="4000" dirty="0">
                 <a:solidFill>
-                  <a:schemeClr val="accent6">
-                    <a:lumMod val="40000"/>
-                    <a:lumOff val="60000"/>
+                  <a:schemeClr val="accent3">
+                    <a:lumMod val="60000"/>
+                    <a:lumOff val="40000"/>
                   </a:schemeClr>
                 </a:solidFill>
               </a:rPr>
@@ -8200,141 +8802,6 @@
 </file>
 
 <file path=customXml/item1.xml><?xml version="1.0" encoding="utf-8"?>
-<?mso-contentType ?>
-<FormTemplates xmlns="http://schemas.microsoft.com/sharepoint/v3/contenttype/forms">
-  <Display>DocumentLibraryForm</Display>
-  <Edit>AssetEditForm</Edit>
-  <New>DocumentLibraryForm</New>
-</FormTemplates>
-</file>
-
-<file path=customXml/item2.xml><?xml version="1.0" encoding="utf-8"?>
-<p:properties xmlns:p="http://schemas.microsoft.com/office/2006/metadata/properties" xmlns:xsi="http://www.w3.org/2001/XMLSchema-instance" xmlns:pc="http://schemas.microsoft.com/office/infopath/2007/PartnerControls">
-  <documentManagement>
-    <DirectSourceMarket xmlns="4873beb7-5857-4685-be1f-d57550cc96cc" xsi:nil="true"/>
-    <ApprovalStatus xmlns="4873beb7-5857-4685-be1f-d57550cc96cc">InProgress</ApprovalStatus>
-    <MarketSpecific xmlns="4873beb7-5857-4685-be1f-d57550cc96cc">false</MarketSpecific>
-    <LocComments xmlns="4873beb7-5857-4685-be1f-d57550cc96cc" xsi:nil="true"/>
-    <ThumbnailAssetId xmlns="4873beb7-5857-4685-be1f-d57550cc96cc" xsi:nil="true"/>
-    <PrimaryImageGen xmlns="4873beb7-5857-4685-be1f-d57550cc96cc">true</PrimaryImageGen>
-    <LegacyData xmlns="4873beb7-5857-4685-be1f-d57550cc96cc" xsi:nil="true"/>
-    <LocRecommendedHandoff xmlns="4873beb7-5857-4685-be1f-d57550cc96cc" xsi:nil="true"/>
-    <BusinessGroup xmlns="4873beb7-5857-4685-be1f-d57550cc96cc" xsi:nil="true"/>
-    <BlockPublish xmlns="4873beb7-5857-4685-be1f-d57550cc96cc">false</BlockPublish>
-    <TPFriendlyName xmlns="4873beb7-5857-4685-be1f-d57550cc96cc" xsi:nil="true"/>
-    <NumericId xmlns="4873beb7-5857-4685-be1f-d57550cc96cc" xsi:nil="true"/>
-    <APEditor xmlns="4873beb7-5857-4685-be1f-d57550cc96cc">
-      <UserInfo>
-        <DisplayName/>
-        <AccountId xsi:nil="true"/>
-        <AccountType/>
-      </UserInfo>
-    </APEditor>
-    <SourceTitle xmlns="4873beb7-5857-4685-be1f-d57550cc96cc" xsi:nil="true"/>
-    <OpenTemplate xmlns="4873beb7-5857-4685-be1f-d57550cc96cc">true</OpenTemplate>
-    <UALocComments xmlns="4873beb7-5857-4685-be1f-d57550cc96cc" xsi:nil="true"/>
-    <ParentAssetId xmlns="4873beb7-5857-4685-be1f-d57550cc96cc" xsi:nil="true"/>
-    <IntlLangReviewDate xmlns="4873beb7-5857-4685-be1f-d57550cc96cc" xsi:nil="true"/>
-    <FeatureTagsTaxHTField0 xmlns="4873beb7-5857-4685-be1f-d57550cc96cc">
-      <Terms xmlns="http://schemas.microsoft.com/office/infopath/2007/PartnerControls"/>
-    </FeatureTagsTaxHTField0>
-    <PublishStatusLookup xmlns="4873beb7-5857-4685-be1f-d57550cc96cc">
-      <Value>1566889</Value>
-    </PublishStatusLookup>
-    <Providers xmlns="4873beb7-5857-4685-be1f-d57550cc96cc" xsi:nil="true"/>
-    <MachineTranslated xmlns="4873beb7-5857-4685-be1f-d57550cc96cc">false</MachineTranslated>
-    <OriginalSourceMarket xmlns="4873beb7-5857-4685-be1f-d57550cc96cc" xsi:nil="true"/>
-    <APDescription xmlns="4873beb7-5857-4685-be1f-d57550cc96cc" xsi:nil="true"/>
-    <ClipArtFilename xmlns="4873beb7-5857-4685-be1f-d57550cc96cc" xsi:nil="true"/>
-    <ContentItem xmlns="4873beb7-5857-4685-be1f-d57550cc96cc" xsi:nil="true"/>
-    <TPInstallLocation xmlns="4873beb7-5857-4685-be1f-d57550cc96cc" xsi:nil="true"/>
-    <PublishTargets xmlns="4873beb7-5857-4685-be1f-d57550cc96cc">OfficeOnlineVNext</PublishTargets>
-    <TimesCloned xmlns="4873beb7-5857-4685-be1f-d57550cc96cc" xsi:nil="true"/>
-    <AssetStart xmlns="4873beb7-5857-4685-be1f-d57550cc96cc">2012-05-23T08:44:00+00:00</AssetStart>
-    <Provider xmlns="4873beb7-5857-4685-be1f-d57550cc96cc" xsi:nil="true"/>
-    <AcquiredFrom xmlns="4873beb7-5857-4685-be1f-d57550cc96cc">Internal MS</AcquiredFrom>
-    <FriendlyTitle xmlns="4873beb7-5857-4685-be1f-d57550cc96cc" xsi:nil="true"/>
-    <LastHandOff xmlns="4873beb7-5857-4685-be1f-d57550cc96cc" xsi:nil="true"/>
-    <TPClientViewer xmlns="4873beb7-5857-4685-be1f-d57550cc96cc" xsi:nil="true"/>
-    <UACurrentWords xmlns="4873beb7-5857-4685-be1f-d57550cc96cc" xsi:nil="true"/>
-    <ArtSampleDocs xmlns="4873beb7-5857-4685-be1f-d57550cc96cc" xsi:nil="true"/>
-    <UALocRecommendation xmlns="4873beb7-5857-4685-be1f-d57550cc96cc">Localize</UALocRecommendation>
-    <Manager xmlns="4873beb7-5857-4685-be1f-d57550cc96cc" xsi:nil="true"/>
-    <ShowIn xmlns="4873beb7-5857-4685-be1f-d57550cc96cc">Show everywhere</ShowIn>
-    <UANotes xmlns="4873beb7-5857-4685-be1f-d57550cc96cc" xsi:nil="true"/>
-    <TemplateStatus xmlns="4873beb7-5857-4685-be1f-d57550cc96cc">Complete</TemplateStatus>
-    <InternalTagsTaxHTField0 xmlns="4873beb7-5857-4685-be1f-d57550cc96cc">
-      <Terms xmlns="http://schemas.microsoft.com/office/infopath/2007/PartnerControls"/>
-    </InternalTagsTaxHTField0>
-    <CSXHash xmlns="4873beb7-5857-4685-be1f-d57550cc96cc" xsi:nil="true"/>
-    <Downloads xmlns="4873beb7-5857-4685-be1f-d57550cc96cc">0</Downloads>
-    <VoteCount xmlns="4873beb7-5857-4685-be1f-d57550cc96cc" xsi:nil="true"/>
-    <OOCacheId xmlns="4873beb7-5857-4685-be1f-d57550cc96cc" xsi:nil="true"/>
-    <IsDeleted xmlns="4873beb7-5857-4685-be1f-d57550cc96cc">false</IsDeleted>
-    <AssetExpire xmlns="4873beb7-5857-4685-be1f-d57550cc96cc">2029-01-01T08:00:00+00:00</AssetExpire>
-    <DSATActionTaken xmlns="4873beb7-5857-4685-be1f-d57550cc96cc" xsi:nil="true"/>
-    <CSXSubmissionMarket xmlns="4873beb7-5857-4685-be1f-d57550cc96cc" xsi:nil="true"/>
-    <TPExecutable xmlns="4873beb7-5857-4685-be1f-d57550cc96cc" xsi:nil="true"/>
-    <SubmitterId xmlns="4873beb7-5857-4685-be1f-d57550cc96cc" xsi:nil="true"/>
-    <EditorialTags xmlns="4873beb7-5857-4685-be1f-d57550cc96cc" xsi:nil="true"/>
-    <ApprovalLog xmlns="4873beb7-5857-4685-be1f-d57550cc96cc" xsi:nil="true"/>
-    <AssetType xmlns="4873beb7-5857-4685-be1f-d57550cc96cc">TP</AssetType>
-    <BugNumber xmlns="4873beb7-5857-4685-be1f-d57550cc96cc" xsi:nil="true"/>
-    <CSXSubmissionDate xmlns="4873beb7-5857-4685-be1f-d57550cc96cc" xsi:nil="true"/>
-    <CSXUpdate xmlns="4873beb7-5857-4685-be1f-d57550cc96cc">false</CSXUpdate>
-    <Milestone xmlns="4873beb7-5857-4685-be1f-d57550cc96cc" xsi:nil="true"/>
-    <RecommendationsModifier xmlns="4873beb7-5857-4685-be1f-d57550cc96cc" xsi:nil="true"/>
-    <OriginAsset xmlns="4873beb7-5857-4685-be1f-d57550cc96cc" xsi:nil="true"/>
-    <TPComponent xmlns="4873beb7-5857-4685-be1f-d57550cc96cc" xsi:nil="true"/>
-    <AssetId xmlns="4873beb7-5857-4685-be1f-d57550cc96cc">TP102901017</AssetId>
-    <IntlLocPriority xmlns="4873beb7-5857-4685-be1f-d57550cc96cc" xsi:nil="true"/>
-    <PolicheckWords xmlns="4873beb7-5857-4685-be1f-d57550cc96cc" xsi:nil="true"/>
-    <TPLaunchHelpLink xmlns="4873beb7-5857-4685-be1f-d57550cc96cc" xsi:nil="true"/>
-    <TPApplication xmlns="4873beb7-5857-4685-be1f-d57550cc96cc" xsi:nil="true"/>
-    <CrawlForDependencies xmlns="4873beb7-5857-4685-be1f-d57550cc96cc">false</CrawlForDependencies>
-    <HandoffToMSDN xmlns="4873beb7-5857-4685-be1f-d57550cc96cc" xsi:nil="true"/>
-    <PlannedPubDate xmlns="4873beb7-5857-4685-be1f-d57550cc96cc" xsi:nil="true"/>
-    <IntlLangReviewer xmlns="4873beb7-5857-4685-be1f-d57550cc96cc" xsi:nil="true"/>
-    <TrustLevel xmlns="4873beb7-5857-4685-be1f-d57550cc96cc">1 Microsoft Managed Content</TrustLevel>
-    <LocLastLocAttemptVersionLookup xmlns="4873beb7-5857-4685-be1f-d57550cc96cc">836753</LocLastLocAttemptVersionLookup>
-    <IsSearchable xmlns="4873beb7-5857-4685-be1f-d57550cc96cc">true</IsSearchable>
-    <TemplateTemplateType xmlns="4873beb7-5857-4685-be1f-d57550cc96cc">PowerPoint Design Template</TemplateTemplateType>
-    <CampaignTagsTaxHTField0 xmlns="4873beb7-5857-4685-be1f-d57550cc96cc">
-      <Terms xmlns="http://schemas.microsoft.com/office/infopath/2007/PartnerControls"/>
-    </CampaignTagsTaxHTField0>
-    <TPNamespace xmlns="4873beb7-5857-4685-be1f-d57550cc96cc" xsi:nil="true"/>
-    <TaxCatchAll xmlns="4873beb7-5857-4685-be1f-d57550cc96cc"/>
-    <Markets xmlns="4873beb7-5857-4685-be1f-d57550cc96cc"/>
-    <UAProjectedTotalWords xmlns="4873beb7-5857-4685-be1f-d57550cc96cc" xsi:nil="true"/>
-    <IntlLangReview xmlns="4873beb7-5857-4685-be1f-d57550cc96cc">false</IntlLangReview>
-    <OutputCachingOn xmlns="4873beb7-5857-4685-be1f-d57550cc96cc">false</OutputCachingOn>
-    <AverageRating xmlns="4873beb7-5857-4685-be1f-d57550cc96cc" xsi:nil="true"/>
-    <APAuthor xmlns="4873beb7-5857-4685-be1f-d57550cc96cc">
-      <UserInfo>
-        <DisplayName>REDMOND\v-anij</DisplayName>
-        <AccountId>2469</AccountId>
-        <AccountType/>
-      </UserInfo>
-    </APAuthor>
-    <LocManualTestRequired xmlns="4873beb7-5857-4685-be1f-d57550cc96cc">false</LocManualTestRequired>
-    <TPCommandLine xmlns="4873beb7-5857-4685-be1f-d57550cc96cc" xsi:nil="true"/>
-    <TPAppVersion xmlns="4873beb7-5857-4685-be1f-d57550cc96cc" xsi:nil="true"/>
-    <EditorialStatus xmlns="4873beb7-5857-4685-be1f-d57550cc96cc">Complete</EditorialStatus>
-    <LastModifiedDateTime xmlns="4873beb7-5857-4685-be1f-d57550cc96cc" xsi:nil="true"/>
-    <ScenarioTagsTaxHTField0 xmlns="4873beb7-5857-4685-be1f-d57550cc96cc">
-      <Terms xmlns="http://schemas.microsoft.com/office/infopath/2007/PartnerControls"/>
-    </ScenarioTagsTaxHTField0>
-    <OriginalRelease xmlns="4873beb7-5857-4685-be1f-d57550cc96cc">15</OriginalRelease>
-    <TPLaunchHelpLinkType xmlns="4873beb7-5857-4685-be1f-d57550cc96cc">Template</TPLaunchHelpLinkType>
-    <LocalizationTagsTaxHTField0 xmlns="4873beb7-5857-4685-be1f-d57550cc96cc">
-      <Terms xmlns="http://schemas.microsoft.com/office/infopath/2007/PartnerControls"/>
-    </LocalizationTagsTaxHTField0>
-    <LocMarketGroupTiers2 xmlns="4873beb7-5857-4685-be1f-d57550cc96cc" xsi:nil="true"/>
-  </documentManagement>
-</p:properties>
-</file>
-
-<file path=customXml/item3.xml><?xml version="1.0" encoding="utf-8"?>
 <ct:contentTypeSchema xmlns:ct="http://schemas.microsoft.com/office/2006/metadata/contentType" xmlns:ma="http://schemas.microsoft.com/office/2006/metadata/properties/metaAttributes" ct:_="" ma:_="" ma:contentTypeName="TemplateFile" ma:contentTypeID="0x0101006EDDDB5EE6D98C44930B742096920B300400F5B6D36B3EF94B4E9A635CDF2A18F5B8" ma:contentTypeVersion="72" ma:contentTypeDescription="Create a new document." ma:contentTypeScope="" ma:versionID="a23e56308344d904b51738559c3d67c9">
   <xsd:schema xmlns:xsd="http://www.w3.org/2001/XMLSchema" xmlns:xs="http://www.w3.org/2001/XMLSchema" xmlns:p="http://schemas.microsoft.com/office/2006/metadata/properties" xmlns:ns2="4873beb7-5857-4685-be1f-d57550cc96cc" targetNamespace="http://schemas.microsoft.com/office/2006/metadata/properties" ma:root="true" ma:fieldsID="cd0908cc4600e77bf5da051303e00c8d" ns2:_="">
     <xsd:import namespace="4873beb7-5857-4685-be1f-d57550cc96cc"/>
@@ -9374,10 +9841,155 @@
 </ct:contentTypeSchema>
 </file>
 
+<file path=customXml/item2.xml><?xml version="1.0" encoding="utf-8"?>
+<p:properties xmlns:p="http://schemas.microsoft.com/office/2006/metadata/properties" xmlns:xsi="http://www.w3.org/2001/XMLSchema-instance" xmlns:pc="http://schemas.microsoft.com/office/infopath/2007/PartnerControls">
+  <documentManagement>
+    <DirectSourceMarket xmlns="4873beb7-5857-4685-be1f-d57550cc96cc" xsi:nil="true"/>
+    <ApprovalStatus xmlns="4873beb7-5857-4685-be1f-d57550cc96cc">InProgress</ApprovalStatus>
+    <MarketSpecific xmlns="4873beb7-5857-4685-be1f-d57550cc96cc">false</MarketSpecific>
+    <LocComments xmlns="4873beb7-5857-4685-be1f-d57550cc96cc" xsi:nil="true"/>
+    <ThumbnailAssetId xmlns="4873beb7-5857-4685-be1f-d57550cc96cc" xsi:nil="true"/>
+    <PrimaryImageGen xmlns="4873beb7-5857-4685-be1f-d57550cc96cc">true</PrimaryImageGen>
+    <LegacyData xmlns="4873beb7-5857-4685-be1f-d57550cc96cc" xsi:nil="true"/>
+    <LocRecommendedHandoff xmlns="4873beb7-5857-4685-be1f-d57550cc96cc" xsi:nil="true"/>
+    <BusinessGroup xmlns="4873beb7-5857-4685-be1f-d57550cc96cc" xsi:nil="true"/>
+    <BlockPublish xmlns="4873beb7-5857-4685-be1f-d57550cc96cc">false</BlockPublish>
+    <TPFriendlyName xmlns="4873beb7-5857-4685-be1f-d57550cc96cc" xsi:nil="true"/>
+    <NumericId xmlns="4873beb7-5857-4685-be1f-d57550cc96cc" xsi:nil="true"/>
+    <APEditor xmlns="4873beb7-5857-4685-be1f-d57550cc96cc">
+      <UserInfo>
+        <DisplayName/>
+        <AccountId xsi:nil="true"/>
+        <AccountType/>
+      </UserInfo>
+    </APEditor>
+    <SourceTitle xmlns="4873beb7-5857-4685-be1f-d57550cc96cc" xsi:nil="true"/>
+    <OpenTemplate xmlns="4873beb7-5857-4685-be1f-d57550cc96cc">true</OpenTemplate>
+    <UALocComments xmlns="4873beb7-5857-4685-be1f-d57550cc96cc" xsi:nil="true"/>
+    <ParentAssetId xmlns="4873beb7-5857-4685-be1f-d57550cc96cc" xsi:nil="true"/>
+    <IntlLangReviewDate xmlns="4873beb7-5857-4685-be1f-d57550cc96cc" xsi:nil="true"/>
+    <FeatureTagsTaxHTField0 xmlns="4873beb7-5857-4685-be1f-d57550cc96cc">
+      <Terms xmlns="http://schemas.microsoft.com/office/infopath/2007/PartnerControls"/>
+    </FeatureTagsTaxHTField0>
+    <PublishStatusLookup xmlns="4873beb7-5857-4685-be1f-d57550cc96cc">
+      <Value>1566889</Value>
+    </PublishStatusLookup>
+    <Providers xmlns="4873beb7-5857-4685-be1f-d57550cc96cc" xsi:nil="true"/>
+    <MachineTranslated xmlns="4873beb7-5857-4685-be1f-d57550cc96cc">false</MachineTranslated>
+    <OriginalSourceMarket xmlns="4873beb7-5857-4685-be1f-d57550cc96cc" xsi:nil="true"/>
+    <APDescription xmlns="4873beb7-5857-4685-be1f-d57550cc96cc" xsi:nil="true"/>
+    <ClipArtFilename xmlns="4873beb7-5857-4685-be1f-d57550cc96cc" xsi:nil="true"/>
+    <ContentItem xmlns="4873beb7-5857-4685-be1f-d57550cc96cc" xsi:nil="true"/>
+    <TPInstallLocation xmlns="4873beb7-5857-4685-be1f-d57550cc96cc" xsi:nil="true"/>
+    <PublishTargets xmlns="4873beb7-5857-4685-be1f-d57550cc96cc">OfficeOnlineVNext</PublishTargets>
+    <TimesCloned xmlns="4873beb7-5857-4685-be1f-d57550cc96cc" xsi:nil="true"/>
+    <AssetStart xmlns="4873beb7-5857-4685-be1f-d57550cc96cc">2012-05-23T08:44:00+00:00</AssetStart>
+    <Provider xmlns="4873beb7-5857-4685-be1f-d57550cc96cc" xsi:nil="true"/>
+    <AcquiredFrom xmlns="4873beb7-5857-4685-be1f-d57550cc96cc">Internal MS</AcquiredFrom>
+    <FriendlyTitle xmlns="4873beb7-5857-4685-be1f-d57550cc96cc" xsi:nil="true"/>
+    <LastHandOff xmlns="4873beb7-5857-4685-be1f-d57550cc96cc" xsi:nil="true"/>
+    <TPClientViewer xmlns="4873beb7-5857-4685-be1f-d57550cc96cc" xsi:nil="true"/>
+    <UACurrentWords xmlns="4873beb7-5857-4685-be1f-d57550cc96cc" xsi:nil="true"/>
+    <ArtSampleDocs xmlns="4873beb7-5857-4685-be1f-d57550cc96cc" xsi:nil="true"/>
+    <UALocRecommendation xmlns="4873beb7-5857-4685-be1f-d57550cc96cc">Localize</UALocRecommendation>
+    <Manager xmlns="4873beb7-5857-4685-be1f-d57550cc96cc" xsi:nil="true"/>
+    <ShowIn xmlns="4873beb7-5857-4685-be1f-d57550cc96cc">Show everywhere</ShowIn>
+    <UANotes xmlns="4873beb7-5857-4685-be1f-d57550cc96cc" xsi:nil="true"/>
+    <TemplateStatus xmlns="4873beb7-5857-4685-be1f-d57550cc96cc">Complete</TemplateStatus>
+    <InternalTagsTaxHTField0 xmlns="4873beb7-5857-4685-be1f-d57550cc96cc">
+      <Terms xmlns="http://schemas.microsoft.com/office/infopath/2007/PartnerControls"/>
+    </InternalTagsTaxHTField0>
+    <CSXHash xmlns="4873beb7-5857-4685-be1f-d57550cc96cc" xsi:nil="true"/>
+    <Downloads xmlns="4873beb7-5857-4685-be1f-d57550cc96cc">0</Downloads>
+    <VoteCount xmlns="4873beb7-5857-4685-be1f-d57550cc96cc" xsi:nil="true"/>
+    <OOCacheId xmlns="4873beb7-5857-4685-be1f-d57550cc96cc" xsi:nil="true"/>
+    <IsDeleted xmlns="4873beb7-5857-4685-be1f-d57550cc96cc">false</IsDeleted>
+    <AssetExpire xmlns="4873beb7-5857-4685-be1f-d57550cc96cc">2029-01-01T08:00:00+00:00</AssetExpire>
+    <DSATActionTaken xmlns="4873beb7-5857-4685-be1f-d57550cc96cc" xsi:nil="true"/>
+    <CSXSubmissionMarket xmlns="4873beb7-5857-4685-be1f-d57550cc96cc" xsi:nil="true"/>
+    <TPExecutable xmlns="4873beb7-5857-4685-be1f-d57550cc96cc" xsi:nil="true"/>
+    <SubmitterId xmlns="4873beb7-5857-4685-be1f-d57550cc96cc" xsi:nil="true"/>
+    <EditorialTags xmlns="4873beb7-5857-4685-be1f-d57550cc96cc" xsi:nil="true"/>
+    <ApprovalLog xmlns="4873beb7-5857-4685-be1f-d57550cc96cc" xsi:nil="true"/>
+    <AssetType xmlns="4873beb7-5857-4685-be1f-d57550cc96cc">TP</AssetType>
+    <BugNumber xmlns="4873beb7-5857-4685-be1f-d57550cc96cc" xsi:nil="true"/>
+    <CSXSubmissionDate xmlns="4873beb7-5857-4685-be1f-d57550cc96cc" xsi:nil="true"/>
+    <CSXUpdate xmlns="4873beb7-5857-4685-be1f-d57550cc96cc">false</CSXUpdate>
+    <Milestone xmlns="4873beb7-5857-4685-be1f-d57550cc96cc" xsi:nil="true"/>
+    <RecommendationsModifier xmlns="4873beb7-5857-4685-be1f-d57550cc96cc" xsi:nil="true"/>
+    <OriginAsset xmlns="4873beb7-5857-4685-be1f-d57550cc96cc" xsi:nil="true"/>
+    <TPComponent xmlns="4873beb7-5857-4685-be1f-d57550cc96cc" xsi:nil="true"/>
+    <AssetId xmlns="4873beb7-5857-4685-be1f-d57550cc96cc">TP102901017</AssetId>
+    <IntlLocPriority xmlns="4873beb7-5857-4685-be1f-d57550cc96cc" xsi:nil="true"/>
+    <PolicheckWords xmlns="4873beb7-5857-4685-be1f-d57550cc96cc" xsi:nil="true"/>
+    <TPLaunchHelpLink xmlns="4873beb7-5857-4685-be1f-d57550cc96cc" xsi:nil="true"/>
+    <TPApplication xmlns="4873beb7-5857-4685-be1f-d57550cc96cc" xsi:nil="true"/>
+    <CrawlForDependencies xmlns="4873beb7-5857-4685-be1f-d57550cc96cc">false</CrawlForDependencies>
+    <HandoffToMSDN xmlns="4873beb7-5857-4685-be1f-d57550cc96cc" xsi:nil="true"/>
+    <PlannedPubDate xmlns="4873beb7-5857-4685-be1f-d57550cc96cc" xsi:nil="true"/>
+    <IntlLangReviewer xmlns="4873beb7-5857-4685-be1f-d57550cc96cc" xsi:nil="true"/>
+    <TrustLevel xmlns="4873beb7-5857-4685-be1f-d57550cc96cc">1 Microsoft Managed Content</TrustLevel>
+    <LocLastLocAttemptVersionLookup xmlns="4873beb7-5857-4685-be1f-d57550cc96cc">836753</LocLastLocAttemptVersionLookup>
+    <IsSearchable xmlns="4873beb7-5857-4685-be1f-d57550cc96cc">true</IsSearchable>
+    <TemplateTemplateType xmlns="4873beb7-5857-4685-be1f-d57550cc96cc">PowerPoint Design Template</TemplateTemplateType>
+    <CampaignTagsTaxHTField0 xmlns="4873beb7-5857-4685-be1f-d57550cc96cc">
+      <Terms xmlns="http://schemas.microsoft.com/office/infopath/2007/PartnerControls"/>
+    </CampaignTagsTaxHTField0>
+    <TPNamespace xmlns="4873beb7-5857-4685-be1f-d57550cc96cc" xsi:nil="true"/>
+    <TaxCatchAll xmlns="4873beb7-5857-4685-be1f-d57550cc96cc"/>
+    <Markets xmlns="4873beb7-5857-4685-be1f-d57550cc96cc"/>
+    <UAProjectedTotalWords xmlns="4873beb7-5857-4685-be1f-d57550cc96cc" xsi:nil="true"/>
+    <IntlLangReview xmlns="4873beb7-5857-4685-be1f-d57550cc96cc">false</IntlLangReview>
+    <OutputCachingOn xmlns="4873beb7-5857-4685-be1f-d57550cc96cc">false</OutputCachingOn>
+    <AverageRating xmlns="4873beb7-5857-4685-be1f-d57550cc96cc" xsi:nil="true"/>
+    <APAuthor xmlns="4873beb7-5857-4685-be1f-d57550cc96cc">
+      <UserInfo>
+        <DisplayName>REDMOND\v-anij</DisplayName>
+        <AccountId>2469</AccountId>
+        <AccountType/>
+      </UserInfo>
+    </APAuthor>
+    <LocManualTestRequired xmlns="4873beb7-5857-4685-be1f-d57550cc96cc">false</LocManualTestRequired>
+    <TPCommandLine xmlns="4873beb7-5857-4685-be1f-d57550cc96cc" xsi:nil="true"/>
+    <TPAppVersion xmlns="4873beb7-5857-4685-be1f-d57550cc96cc" xsi:nil="true"/>
+    <EditorialStatus xmlns="4873beb7-5857-4685-be1f-d57550cc96cc">Complete</EditorialStatus>
+    <LastModifiedDateTime xmlns="4873beb7-5857-4685-be1f-d57550cc96cc" xsi:nil="true"/>
+    <ScenarioTagsTaxHTField0 xmlns="4873beb7-5857-4685-be1f-d57550cc96cc">
+      <Terms xmlns="http://schemas.microsoft.com/office/infopath/2007/PartnerControls"/>
+    </ScenarioTagsTaxHTField0>
+    <OriginalRelease xmlns="4873beb7-5857-4685-be1f-d57550cc96cc">15</OriginalRelease>
+    <TPLaunchHelpLinkType xmlns="4873beb7-5857-4685-be1f-d57550cc96cc">Template</TPLaunchHelpLinkType>
+    <LocalizationTagsTaxHTField0 xmlns="4873beb7-5857-4685-be1f-d57550cc96cc">
+      <Terms xmlns="http://schemas.microsoft.com/office/infopath/2007/PartnerControls"/>
+    </LocalizationTagsTaxHTField0>
+    <LocMarketGroupTiers2 xmlns="4873beb7-5857-4685-be1f-d57550cc96cc" xsi:nil="true"/>
+  </documentManagement>
+</p:properties>
+</file>
+
+<file path=customXml/item3.xml><?xml version="1.0" encoding="utf-8"?>
+<?mso-contentType ?>
+<FormTemplates xmlns="http://schemas.microsoft.com/sharepoint/v3/contenttype/forms">
+  <Display>DocumentLibraryForm</Display>
+  <Edit>AssetEditForm</Edit>
+  <New>DocumentLibraryForm</New>
+</FormTemplates>
+</file>
+
 <file path=customXml/itemProps1.xml><?xml version="1.0" encoding="utf-8"?>
-<ds:datastoreItem xmlns:ds="http://schemas.openxmlformats.org/officeDocument/2006/customXml" ds:itemID="{746CFF6F-D9AA-4BC0-911A-0A1356771912}">
+<ds:datastoreItem xmlns:ds="http://schemas.openxmlformats.org/officeDocument/2006/customXml" ds:itemID="{0B5C6E15-39DC-470B-9445-F754B9458020}">
   <ds:schemaRefs>
-    <ds:schemaRef ds:uri="http://schemas.microsoft.com/sharepoint/v3/contenttype/forms"/>
+    <ds:schemaRef ds:uri="http://schemas.microsoft.com/office/2006/metadata/contentType"/>
+    <ds:schemaRef ds:uri="http://schemas.microsoft.com/office/2006/metadata/properties/metaAttributes"/>
+    <ds:schemaRef ds:uri="http://www.w3.org/2001/XMLSchema"/>
+    <ds:schemaRef ds:uri="http://schemas.microsoft.com/office/2006/metadata/properties"/>
+    <ds:schemaRef ds:uri="4873beb7-5857-4685-be1f-d57550cc96cc"/>
+    <ds:schemaRef ds:uri="http://schemas.microsoft.com/office/2006/documentManagement/types"/>
+    <ds:schemaRef ds:uri="http://schemas.microsoft.com/office/infopath/2007/PartnerControls"/>
+    <ds:schemaRef ds:uri="http://schemas.openxmlformats.org/package/2006/metadata/core-properties"/>
+    <ds:schemaRef ds:uri="http://purl.org/dc/elements/1.1/"/>
+    <ds:schemaRef ds:uri="http://purl.org/dc/terms/"/>
+    <ds:schemaRef ds:uri="http://schemas.microsoft.com/internal/obd"/>
   </ds:schemaRefs>
 </ds:datastoreItem>
 </file>
@@ -9399,19 +10011,9 @@
 </file>
 
 <file path=customXml/itemProps3.xml><?xml version="1.0" encoding="utf-8"?>
-<ds:datastoreItem xmlns:ds="http://schemas.openxmlformats.org/officeDocument/2006/customXml" ds:itemID="{0B5C6E15-39DC-470B-9445-F754B9458020}">
+<ds:datastoreItem xmlns:ds="http://schemas.openxmlformats.org/officeDocument/2006/customXml" ds:itemID="{746CFF6F-D9AA-4BC0-911A-0A1356771912}">
   <ds:schemaRefs>
-    <ds:schemaRef ds:uri="http://schemas.microsoft.com/office/2006/metadata/contentType"/>
-    <ds:schemaRef ds:uri="http://schemas.microsoft.com/office/2006/metadata/properties/metaAttributes"/>
-    <ds:schemaRef ds:uri="http://www.w3.org/2001/XMLSchema"/>
-    <ds:schemaRef ds:uri="http://schemas.microsoft.com/office/2006/metadata/properties"/>
-    <ds:schemaRef ds:uri="4873beb7-5857-4685-be1f-d57550cc96cc"/>
-    <ds:schemaRef ds:uri="http://schemas.microsoft.com/office/2006/documentManagement/types"/>
-    <ds:schemaRef ds:uri="http://schemas.microsoft.com/office/infopath/2007/PartnerControls"/>
-    <ds:schemaRef ds:uri="http://schemas.openxmlformats.org/package/2006/metadata/core-properties"/>
-    <ds:schemaRef ds:uri="http://purl.org/dc/elements/1.1/"/>
-    <ds:schemaRef ds:uri="http://purl.org/dc/terms/"/>
-    <ds:schemaRef ds:uri="http://schemas.microsoft.com/internal/obd"/>
+    <ds:schemaRef ds:uri="http://schemas.microsoft.com/sharepoint/v3/contenttype/forms"/>
   </ds:schemaRefs>
 </ds:datastoreItem>
 </file>